--- a/Berlin-Deustche Oper/Programm-Other/La Gioconda (2024.02.24)/XXX.pptx
+++ b/Berlin-Deustche Oper/Programm-Other/La Gioconda (2024.02.24)/XXX.pptx
@@ -209,7 +209,7 @@
           <a:p>
             <a:fld id="{1E980196-448A-481A-8A1B-A58FF56D8844}" type="datetimeFigureOut">
               <a:rPr lang="en-US" smtClean="0"/>
-              <a:t>9/9/23</a:t>
+              <a:t>2/26/24</a:t>
             </a:fld>
             <a:endParaRPr lang="en-US"/>
           </a:p>
@@ -608,7 +608,7 @@
           <a:p>
             <a:fld id="{F63CEDD3-0525-4453-AC94-ABA547278219}" type="datetimeFigureOut">
               <a:rPr lang="en-US" smtClean="0"/>
-              <a:t>9/9/23</a:t>
+              <a:t>2/26/24</a:t>
             </a:fld>
             <a:endParaRPr lang="en-US"/>
           </a:p>
@@ -778,7 +778,7 @@
           <a:p>
             <a:fld id="{F63CEDD3-0525-4453-AC94-ABA547278219}" type="datetimeFigureOut">
               <a:rPr lang="en-US" smtClean="0"/>
-              <a:t>9/9/23</a:t>
+              <a:t>2/26/24</a:t>
             </a:fld>
             <a:endParaRPr lang="en-US"/>
           </a:p>
@@ -958,7 +958,7 @@
           <a:p>
             <a:fld id="{F63CEDD3-0525-4453-AC94-ABA547278219}" type="datetimeFigureOut">
               <a:rPr lang="en-US" smtClean="0"/>
-              <a:t>9/9/23</a:t>
+              <a:t>2/26/24</a:t>
             </a:fld>
             <a:endParaRPr lang="en-US"/>
           </a:p>
@@ -1128,7 +1128,7 @@
           <a:p>
             <a:fld id="{F63CEDD3-0525-4453-AC94-ABA547278219}" type="datetimeFigureOut">
               <a:rPr lang="en-US" smtClean="0"/>
-              <a:t>9/9/23</a:t>
+              <a:t>2/26/24</a:t>
             </a:fld>
             <a:endParaRPr lang="en-US"/>
           </a:p>
@@ -1372,7 +1372,7 @@
           <a:p>
             <a:fld id="{F63CEDD3-0525-4453-AC94-ABA547278219}" type="datetimeFigureOut">
               <a:rPr lang="en-US" smtClean="0"/>
-              <a:t>9/9/23</a:t>
+              <a:t>2/26/24</a:t>
             </a:fld>
             <a:endParaRPr lang="en-US"/>
           </a:p>
@@ -1604,7 +1604,7 @@
           <a:p>
             <a:fld id="{F63CEDD3-0525-4453-AC94-ABA547278219}" type="datetimeFigureOut">
               <a:rPr lang="en-US" smtClean="0"/>
-              <a:t>9/9/23</a:t>
+              <a:t>2/26/24</a:t>
             </a:fld>
             <a:endParaRPr lang="en-US"/>
           </a:p>
@@ -1971,7 +1971,7 @@
           <a:p>
             <a:fld id="{F63CEDD3-0525-4453-AC94-ABA547278219}" type="datetimeFigureOut">
               <a:rPr lang="en-US" smtClean="0"/>
-              <a:t>9/9/23</a:t>
+              <a:t>2/26/24</a:t>
             </a:fld>
             <a:endParaRPr lang="en-US"/>
           </a:p>
@@ -2089,7 +2089,7 @@
           <a:p>
             <a:fld id="{F63CEDD3-0525-4453-AC94-ABA547278219}" type="datetimeFigureOut">
               <a:rPr lang="en-US" smtClean="0"/>
-              <a:t>9/9/23</a:t>
+              <a:t>2/26/24</a:t>
             </a:fld>
             <a:endParaRPr lang="en-US"/>
           </a:p>
@@ -2184,7 +2184,7 @@
           <a:p>
             <a:fld id="{F63CEDD3-0525-4453-AC94-ABA547278219}" type="datetimeFigureOut">
               <a:rPr lang="en-US" smtClean="0"/>
-              <a:t>9/9/23</a:t>
+              <a:t>2/26/24</a:t>
             </a:fld>
             <a:endParaRPr lang="en-US"/>
           </a:p>
@@ -2461,7 +2461,7 @@
           <a:p>
             <a:fld id="{F63CEDD3-0525-4453-AC94-ABA547278219}" type="datetimeFigureOut">
               <a:rPr lang="en-US" smtClean="0"/>
-              <a:t>9/9/23</a:t>
+              <a:t>2/26/24</a:t>
             </a:fld>
             <a:endParaRPr lang="en-US"/>
           </a:p>
@@ -2718,7 +2718,7 @@
           <a:p>
             <a:fld id="{F63CEDD3-0525-4453-AC94-ABA547278219}" type="datetimeFigureOut">
               <a:rPr lang="en-US" smtClean="0"/>
-              <a:t>9/9/23</a:t>
+              <a:t>2/26/24</a:t>
             </a:fld>
             <a:endParaRPr lang="en-US"/>
           </a:p>
@@ -2931,7 +2931,7 @@
           <a:p>
             <a:fld id="{F63CEDD3-0525-4453-AC94-ABA547278219}" type="datetimeFigureOut">
               <a:rPr lang="en-US" smtClean="0"/>
-              <a:t>9/9/23</a:t>
+              <a:t>2/26/24</a:t>
             </a:fld>
             <a:endParaRPr lang="en-US"/>
           </a:p>
@@ -3427,8 +3427,8 @@
         </p:nvSpPr>
         <p:spPr>
           <a:xfrm>
-            <a:off x="-896" y="0"/>
-            <a:ext cx="3648448" cy="6047809"/>
+            <a:off x="1" y="-10048"/>
+            <a:ext cx="4953000" cy="7109639"/>
           </a:xfrm>
           <a:prstGeom prst="rect">
             <a:avLst/>
@@ -3442,308 +3442,1620 @@
           <a:lstStyle/>
           <a:p>
             <a:r>
-              <a:rPr lang="zh-CN" altLang="en-US" sz="900" b="0" i="0" dirty="0">
-                <a:solidFill>
-                  <a:srgbClr val="000000"/>
-                </a:solidFill>
-                <a:effectLst/>
-                <a:latin typeface="NovelPro-regular"/>
-              </a:rPr>
-              <a:t>布拉班特的竞选活动 </a:t>
-            </a:r>
-            <a:r>
-              <a:rPr lang="en-US" altLang="zh-CN" sz="900" b="0" i="0" dirty="0">
-                <a:solidFill>
-                  <a:srgbClr val="000000"/>
-                </a:solidFill>
-                <a:effectLst/>
-                <a:latin typeface="NovelPro-regular"/>
-              </a:rPr>
-              <a:t>- </a:t>
-            </a:r>
-            <a:r>
-              <a:rPr lang="zh-CN" altLang="en-US" sz="900" b="0" i="0" dirty="0">
-                <a:solidFill>
-                  <a:srgbClr val="000000"/>
-                </a:solidFill>
-                <a:effectLst/>
-                <a:latin typeface="NovelPro-regular"/>
-              </a:rPr>
-              <a:t>卡斯珀</a:t>
-            </a:r>
-            <a:r>
-              <a:rPr lang="en-US" altLang="zh-CN" sz="900" b="0" i="0" dirty="0">
-                <a:solidFill>
-                  <a:srgbClr val="000000"/>
-                </a:solidFill>
-                <a:effectLst/>
-                <a:latin typeface="NovelPro-regular"/>
-              </a:rPr>
-              <a:t>·</a:t>
-            </a:r>
-            <a:r>
-              <a:rPr lang="zh-CN" altLang="en-US" sz="900" b="0" i="0" dirty="0">
-                <a:solidFill>
-                  <a:srgbClr val="000000"/>
-                </a:solidFill>
-                <a:effectLst/>
-                <a:latin typeface="NovelPro-regular"/>
-              </a:rPr>
-              <a:t>霍尔滕 </a:t>
-            </a:r>
-            <a:r>
-              <a:rPr lang="en-US" altLang="zh-CN" sz="900" b="0" i="0" dirty="0">
-                <a:solidFill>
-                  <a:srgbClr val="000000"/>
-                </a:solidFill>
-                <a:effectLst/>
-                <a:latin typeface="NovelPro-regular"/>
-              </a:rPr>
-              <a:t>(Kasper </a:t>
-            </a:r>
-            <a:r>
-              <a:rPr lang="en-US" altLang="zh-CN" sz="900" b="0" i="0" dirty="0" err="1">
-                <a:solidFill>
-                  <a:srgbClr val="000000"/>
-                </a:solidFill>
-                <a:effectLst/>
-                <a:latin typeface="NovelPro-regular"/>
-              </a:rPr>
-              <a:t>Holten</a:t>
-            </a:r>
-            <a:r>
-              <a:rPr lang="en-US" altLang="zh-CN" sz="900" b="0" i="0" dirty="0">
-                <a:solidFill>
-                  <a:srgbClr val="000000"/>
-                </a:solidFill>
-                <a:effectLst/>
-                <a:latin typeface="NovelPro-regular"/>
-              </a:rPr>
-              <a:t>) </a:t>
-            </a:r>
-            <a:r>
-              <a:rPr lang="zh-CN" altLang="en-US" sz="900" b="0" i="0" dirty="0">
-                <a:solidFill>
-                  <a:srgbClr val="000000"/>
-                </a:solidFill>
-                <a:effectLst/>
-                <a:latin typeface="NovelPro-regular"/>
-              </a:rPr>
-              <a:t>将瓦格纳 </a:t>
-            </a:r>
-            <a:r>
-              <a:rPr lang="en-US" altLang="zh-CN" sz="900" b="0" i="0" dirty="0">
-                <a:solidFill>
-                  <a:srgbClr val="000000"/>
-                </a:solidFill>
-                <a:effectLst/>
-                <a:latin typeface="NovelPro-regular"/>
-              </a:rPr>
-              <a:t>(Wagner) </a:t>
-            </a:r>
-            <a:r>
-              <a:rPr lang="zh-CN" altLang="en-US" sz="900" b="0" i="0" dirty="0">
-                <a:solidFill>
-                  <a:srgbClr val="000000"/>
-                </a:solidFill>
-                <a:effectLst/>
-                <a:latin typeface="NovelPro-regular"/>
-              </a:rPr>
-              <a:t>的</a:t>
-            </a:r>
-            <a:r>
-              <a:rPr lang="en-US" altLang="zh-CN" sz="900" b="0" i="0" dirty="0">
-                <a:solidFill>
-                  <a:srgbClr val="000000"/>
-                </a:solidFill>
-                <a:effectLst/>
-                <a:latin typeface="NovelPro-regular"/>
+              <a:rPr lang="en-US" altLang="zh-CN" sz="800" dirty="0">
+                <a:effectLst/>
+                <a:latin typeface="Helvetica Neue" panose="02000503000000020004" pitchFamily="2" charset="0"/>
               </a:rPr>
               <a:t>《</a:t>
             </a:r>
             <a:r>
-              <a:rPr lang="zh-CN" altLang="en-US" sz="900" b="0" i="0" dirty="0">
-                <a:solidFill>
-                  <a:srgbClr val="000000"/>
-                </a:solidFill>
-                <a:effectLst/>
-                <a:latin typeface="NovelPro-regular"/>
-              </a:rPr>
-              <a:t>洛亨格林</a:t>
-            </a:r>
-            <a:r>
-              <a:rPr lang="en-US" altLang="zh-CN" sz="900" b="0" i="0" dirty="0">
-                <a:solidFill>
-                  <a:srgbClr val="000000"/>
-                </a:solidFill>
-                <a:effectLst/>
-                <a:latin typeface="NovelPro-regular"/>
-              </a:rPr>
-              <a:t>》(LOHENGRIN) </a:t>
-            </a:r>
-            <a:r>
-              <a:rPr lang="zh-CN" altLang="en-US" sz="900" b="0" i="0" dirty="0">
-                <a:solidFill>
-                  <a:srgbClr val="000000"/>
-                </a:solidFill>
-                <a:effectLst/>
-                <a:latin typeface="NovelPro-regular"/>
-              </a:rPr>
-              <a:t>描绘成平庸时代永恒的政治权力游戏，其中的图片通常会引发一千多次争论。即使所使用的陈词滥调广为人知，它们仍然有影响，无论是在民主还是独裁统治下：作为一个主权实干家，用沙袋和橡胶靴与洪水抗争，作为一个有爱心的父亲带着一个小孩子在潜水、攀爬或在战斗机的驾驶舱中，怀抱中的孩子或像英雄一样爆发出强大的力量。你是否真的会飞它是次要的，但它看起来仍然不错</a:t>
-            </a:r>
-            <a:r>
-              <a:rPr lang="en-US" altLang="zh-CN" sz="900" b="0" i="0" dirty="0">
-                <a:solidFill>
-                  <a:srgbClr val="000000"/>
-                </a:solidFill>
-                <a:effectLst/>
-                <a:latin typeface="NovelPro-regular"/>
-              </a:rPr>
-              <a:t>......</a:t>
-            </a:r>
-            <a:r>
-              <a:rPr lang="zh-CN" altLang="en-US" sz="900" b="0" i="0" dirty="0">
-                <a:solidFill>
-                  <a:srgbClr val="000000"/>
-                </a:solidFill>
-                <a:effectLst/>
-                <a:latin typeface="NovelPro-regular"/>
-              </a:rPr>
-              <a:t>重要的是姿势，英雄的舞台 </a:t>
-            </a:r>
-            <a:r>
-              <a:rPr lang="en-US" altLang="zh-CN" sz="900" b="0" i="0" dirty="0">
-                <a:solidFill>
-                  <a:srgbClr val="000000"/>
-                </a:solidFill>
-                <a:effectLst/>
-                <a:latin typeface="NovelPro-regular"/>
-              </a:rPr>
-              <a:t>- </a:t>
-            </a:r>
-            <a:r>
-              <a:rPr lang="zh-CN" altLang="en-US" sz="900" b="0" i="0" dirty="0">
-                <a:solidFill>
-                  <a:srgbClr val="000000"/>
-                </a:solidFill>
-                <a:effectLst/>
-                <a:latin typeface="NovelPro-regular"/>
-              </a:rPr>
-              <a:t>以及随之而来的信息：国家元首的喜气洋洋的胜利者将带领你救恩。但是，如何到达状态的顶部的问题往往被忽略。因此，在他们过去的问题暴露出令人不快的真相之后，许多在这个国家的镜头前表现得最聪明、最自信的政客已经下台。“如果你认出他，他就必须远离你”。</a:t>
+              <a:rPr lang="zh-CN" altLang="en-US" sz="800" dirty="0">
+                <a:effectLst/>
+                <a:latin typeface="Helvetica Neue" panose="02000503000000020004" pitchFamily="2" charset="0"/>
+              </a:rPr>
+              <a:t>歌女乔康达</a:t>
+            </a:r>
+            <a:r>
+              <a:rPr lang="en-US" altLang="zh-CN" sz="800" dirty="0">
+                <a:effectLst/>
+                <a:latin typeface="Helvetica Neue" panose="02000503000000020004" pitchFamily="2" charset="0"/>
+              </a:rPr>
+              <a:t>》(</a:t>
+            </a:r>
+            <a:r>
+              <a:rPr lang="en-GB" sz="800" dirty="0">
+                <a:effectLst/>
+                <a:latin typeface="Helvetica Neue" panose="02000503000000020004" pitchFamily="2" charset="0"/>
+              </a:rPr>
+              <a:t>La Gioconda)</a:t>
+            </a:r>
+            <a:r>
+              <a:rPr lang="zh-CN" altLang="en-US" sz="800" dirty="0">
+                <a:effectLst/>
+                <a:latin typeface="Helvetica Neue" panose="02000503000000020004" pitchFamily="2" charset="0"/>
+              </a:rPr>
+              <a:t>是意大利剧作家蓬基耶利</a:t>
+            </a:r>
+            <a:r>
+              <a:rPr lang="en-US" altLang="zh-CN" sz="800" dirty="0">
+                <a:effectLst/>
+                <a:latin typeface="Helvetica Neue" panose="02000503000000020004" pitchFamily="2" charset="0"/>
+              </a:rPr>
+              <a:t>(</a:t>
+            </a:r>
+            <a:r>
+              <a:rPr lang="en-GB" sz="800" dirty="0">
+                <a:effectLst/>
+                <a:latin typeface="Helvetica Neue" panose="02000503000000020004" pitchFamily="2" charset="0"/>
+              </a:rPr>
+              <a:t>Ponchielli)</a:t>
+            </a:r>
+            <a:r>
+              <a:rPr lang="zh-CN" altLang="en-US" sz="800" dirty="0">
+                <a:effectLst/>
+                <a:latin typeface="Helvetica Neue" panose="02000503000000020004" pitchFamily="2" charset="0"/>
+              </a:rPr>
+              <a:t>的四幕歌剧，另译作</a:t>
+            </a:r>
+            <a:r>
+              <a:rPr lang="en-US" altLang="zh-CN" sz="800" dirty="0">
+                <a:effectLst/>
+                <a:latin typeface="Helvetica Neue" panose="02000503000000020004" pitchFamily="2" charset="0"/>
+              </a:rPr>
+              <a:t>《</a:t>
+            </a:r>
+            <a:r>
+              <a:rPr lang="zh-CN" altLang="en-US" sz="800" dirty="0">
+                <a:effectLst/>
+                <a:latin typeface="Helvetica Neue" panose="02000503000000020004" pitchFamily="2" charset="0"/>
+              </a:rPr>
+              <a:t>乔康达</a:t>
+            </a:r>
+            <a:r>
+              <a:rPr lang="en-US" altLang="zh-CN" sz="800" dirty="0">
+                <a:effectLst/>
+                <a:latin typeface="Helvetica Neue" panose="02000503000000020004" pitchFamily="2" charset="0"/>
+              </a:rPr>
+              <a:t>》</a:t>
+            </a:r>
+            <a:r>
+              <a:rPr lang="zh-CN" altLang="en-US" sz="800" dirty="0">
+                <a:effectLst/>
+                <a:latin typeface="Helvetica Neue" panose="02000503000000020004" pitchFamily="2" charset="0"/>
+              </a:rPr>
+              <a:t>，这出四幕歌剧，是由博伊托根据雨果的名剧</a:t>
+            </a:r>
+            <a:r>
+              <a:rPr lang="en-US" altLang="zh-CN" sz="800" dirty="0">
+                <a:effectLst/>
+                <a:latin typeface="Helvetica Neue" panose="02000503000000020004" pitchFamily="2" charset="0"/>
+              </a:rPr>
+              <a:t>《</a:t>
+            </a:r>
+            <a:r>
+              <a:rPr lang="zh-CN" altLang="en-US" sz="800" dirty="0">
+                <a:effectLst/>
+                <a:latin typeface="Helvetica Neue" panose="02000503000000020004" pitchFamily="2" charset="0"/>
+              </a:rPr>
+              <a:t>昂基洛，帕杜的暴君</a:t>
+            </a:r>
+            <a:r>
+              <a:rPr lang="en-US" altLang="zh-CN" sz="800" dirty="0">
+                <a:effectLst/>
+                <a:latin typeface="Helvetica Neue" panose="02000503000000020004" pitchFamily="2" charset="0"/>
+              </a:rPr>
+              <a:t>》</a:t>
+            </a:r>
+            <a:r>
+              <a:rPr lang="zh-CN" altLang="en-US" sz="800" dirty="0">
+                <a:effectLst/>
+                <a:latin typeface="Helvetica Neue" panose="02000503000000020004" pitchFamily="2" charset="0"/>
+              </a:rPr>
+              <a:t>改编而成，意大利作曲家蓬基耶利谱曲。</a:t>
+            </a:r>
+          </a:p>
+          <a:p>
+            <a:endParaRPr lang="zh-CN" altLang="en-US" sz="800" dirty="0">
+              <a:effectLst/>
+              <a:latin typeface="Helvetica Neue" panose="02000503000000020004" pitchFamily="2" charset="0"/>
+            </a:endParaRPr>
+          </a:p>
+          <a:p>
+            <a:r>
+              <a:rPr lang="zh-CN" altLang="en-US" sz="800" dirty="0">
+                <a:effectLst/>
+                <a:latin typeface="Helvetica Neue" panose="02000503000000020004" pitchFamily="2" charset="0"/>
+              </a:rPr>
+              <a:t>蓬基耶利是</a:t>
+            </a:r>
+            <a:r>
+              <a:rPr lang="en-US" altLang="zh-CN" sz="800" dirty="0">
+                <a:effectLst/>
+                <a:latin typeface="Helvetica Neue" panose="02000503000000020004" pitchFamily="2" charset="0"/>
+              </a:rPr>
+              <a:t>19</a:t>
+            </a:r>
+            <a:r>
+              <a:rPr lang="zh-CN" altLang="en-US" sz="800" dirty="0">
+                <a:effectLst/>
+                <a:latin typeface="Helvetica Neue" panose="02000503000000020004" pitchFamily="2" charset="0"/>
+              </a:rPr>
+              <a:t>世纪最负盛名的意大利作曲家之一，同时也是普契尼、马斯卡尼等歌剧大师的老师。蓬基耶利曾创作了多部歌剧以及舞剧、交响乐、室内乐作品，但使其获得国际声誉的便是歌剧</a:t>
+            </a:r>
+            <a:r>
+              <a:rPr lang="en-US" altLang="zh-CN" sz="800" dirty="0">
+                <a:effectLst/>
+                <a:latin typeface="Helvetica Neue" panose="02000503000000020004" pitchFamily="2" charset="0"/>
+              </a:rPr>
+              <a:t>《</a:t>
+            </a:r>
+            <a:r>
+              <a:rPr lang="zh-CN" altLang="en-US" sz="800" dirty="0">
+                <a:effectLst/>
+                <a:latin typeface="Helvetica Neue" panose="02000503000000020004" pitchFamily="2" charset="0"/>
+              </a:rPr>
+              <a:t>歌女乔康达</a:t>
+            </a:r>
+            <a:r>
+              <a:rPr lang="en-US" altLang="zh-CN" sz="800" dirty="0">
+                <a:effectLst/>
+                <a:latin typeface="Helvetica Neue" panose="02000503000000020004" pitchFamily="2" charset="0"/>
+              </a:rPr>
+              <a:t>》</a:t>
+            </a:r>
+            <a:r>
+              <a:rPr lang="zh-CN" altLang="en-US" sz="800" dirty="0">
+                <a:effectLst/>
+                <a:latin typeface="Helvetica Neue" panose="02000503000000020004" pitchFamily="2" charset="0"/>
+              </a:rPr>
+              <a:t>。在这部歌剧中，作曲家以细腻美妙的旋律，色彩绚丽的配器，为观众讲述这个交织着善良与邪恶、欲望与奉献、忠贞与背叛的凄美爱情故事。其中，“一个女人或是天使的声音”、“天空与海洋”等著名咏叹调与“我爱他，就如同世界创始的第一缕光线”等重唱感人至深。此外，该剧有多个曼妙精彩的芭蕾舞场面。这其中，第三幕的“时辰之舞”已成为最为知名的芭蕾舞音乐之一。</a:t>
             </a:r>
             <a:br>
-              <a:rPr lang="zh-CN" altLang="en-US" sz="900" dirty="0"/>
+              <a:rPr lang="zh-CN" altLang="en-US" sz="800" dirty="0">
+                <a:effectLst/>
+                <a:latin typeface="Helvetica Neue" panose="02000503000000020004" pitchFamily="2" charset="0"/>
+              </a:rPr>
             </a:br>
+            <a:endParaRPr lang="zh-CN" altLang="en-US" sz="800" dirty="0">
+              <a:effectLst/>
+              <a:latin typeface="Helvetica Neue" panose="02000503000000020004" pitchFamily="2" charset="0"/>
+            </a:endParaRPr>
+          </a:p>
+          <a:p>
+            <a:r>
+              <a:rPr lang="zh-CN" altLang="en-US" sz="800" dirty="0">
+                <a:effectLst/>
+                <a:latin typeface="Helvetica Neue" panose="02000503000000020004" pitchFamily="2" charset="0"/>
+              </a:rPr>
+              <a:t>歌剧</a:t>
+            </a:r>
+            <a:r>
+              <a:rPr lang="en-US" altLang="zh-CN" sz="800" dirty="0">
+                <a:effectLst/>
+                <a:latin typeface="Helvetica Neue" panose="02000503000000020004" pitchFamily="2" charset="0"/>
+              </a:rPr>
+              <a:t>《</a:t>
+            </a:r>
+            <a:r>
+              <a:rPr lang="zh-CN" altLang="en-US" sz="800" dirty="0">
+                <a:effectLst/>
+                <a:latin typeface="Helvetica Neue" panose="02000503000000020004" pitchFamily="2" charset="0"/>
+              </a:rPr>
+              <a:t>歌女乔康达</a:t>
+            </a:r>
+            <a:r>
+              <a:rPr lang="en-US" altLang="zh-CN" sz="800" dirty="0">
+                <a:effectLst/>
+                <a:latin typeface="Helvetica Neue" panose="02000503000000020004" pitchFamily="2" charset="0"/>
+              </a:rPr>
+              <a:t>》</a:t>
+            </a:r>
+            <a:r>
+              <a:rPr lang="zh-CN" altLang="en-US" sz="800" dirty="0">
+                <a:effectLst/>
+                <a:latin typeface="Helvetica Neue" panose="02000503000000020004" pitchFamily="2" charset="0"/>
+              </a:rPr>
+              <a:t>讲述的是发生在水城威尼斯的一段引人入胜的爱情故事：诡计多端的密探巴尔纳巴垂涎乔康达的美貌，而乔康达爱着的是乔装成水手的流亡贵族 恩佐，恩佐念念不忘的是旧情人劳拉，但劳拉偏偏已经是法庭长阿尔维塞的妻子。在这个剪不断，理还乱的“多角恋”中，劳拉曾搭救了乔康达双目失明的母亲。面 对着是情敌也是恩人的劳拉，乔康达却最终选择了不惜生命代价成全恩佐与劳拉的爱情。</a:t>
+            </a:r>
+          </a:p>
+          <a:p>
+            <a:endParaRPr lang="en-US" altLang="zh-CN" sz="800" dirty="0">
+              <a:latin typeface="PingFang SC" panose="020B0400000000000000" pitchFamily="34" charset="-122"/>
+              <a:ea typeface="PingFang SC" panose="020B0400000000000000" pitchFamily="34" charset="-122"/>
+            </a:endParaRPr>
+          </a:p>
+          <a:p>
+            <a:r>
+              <a:rPr lang="zh-CN" altLang="en-US" sz="800" b="1" dirty="0">
+                <a:effectLst/>
+                <a:latin typeface="Helvetica Neue" panose="02000503000000020004" pitchFamily="2" charset="0"/>
+              </a:rPr>
+              <a:t>第一幕</a:t>
+            </a:r>
+            <a:r>
+              <a:rPr lang="zh-CN" altLang="en-US" sz="800" dirty="0">
+                <a:effectLst/>
+                <a:latin typeface="Helvetica Neue" panose="02000503000000020004" pitchFamily="2" charset="0"/>
+              </a:rPr>
+              <a:t>：靠近亚特里亚海岸的狮子口街上</a:t>
+            </a:r>
+          </a:p>
+          <a:p>
+            <a:r>
+              <a:rPr lang="zh-CN" altLang="en-US" sz="800" dirty="0">
+                <a:effectLst/>
+                <a:latin typeface="PingFang SC" panose="020B0400000000000000" pitchFamily="34" charset="-122"/>
+                <a:ea typeface="PingFang SC" panose="020B0400000000000000" pitchFamily="34" charset="-122"/>
+              </a:rPr>
+              <a:t>本幕取名</a:t>
+            </a:r>
+            <a:r>
+              <a:rPr lang="en-US" altLang="zh-CN" sz="800" dirty="0">
+                <a:effectLst/>
+                <a:latin typeface="PingFang SC" panose="020B0400000000000000" pitchFamily="34" charset="-122"/>
+                <a:ea typeface="PingFang SC" panose="020B0400000000000000" pitchFamily="34" charset="-122"/>
+              </a:rPr>
+              <a:t>《</a:t>
+            </a:r>
+            <a:r>
+              <a:rPr lang="zh-CN" altLang="en-US" sz="800" dirty="0">
+                <a:effectLst/>
+                <a:latin typeface="PingFang SC" panose="020B0400000000000000" pitchFamily="34" charset="-122"/>
+                <a:ea typeface="PingFang SC" panose="020B0400000000000000" pitchFamily="34" charset="-122"/>
+              </a:rPr>
+              <a:t>狮子口</a:t>
+            </a:r>
+            <a:r>
+              <a:rPr lang="en-US" altLang="zh-CN" sz="800" dirty="0">
+                <a:effectLst/>
+                <a:latin typeface="PingFang SC" panose="020B0400000000000000" pitchFamily="34" charset="-122"/>
+                <a:ea typeface="PingFang SC" panose="020B0400000000000000" pitchFamily="34" charset="-122"/>
+              </a:rPr>
+              <a:t>》</a:t>
+            </a:r>
+            <a:r>
+              <a:rPr lang="zh-CN" altLang="en-US" sz="800" dirty="0">
+                <a:effectLst/>
+                <a:latin typeface="PingFang SC" panose="020B0400000000000000" pitchFamily="34" charset="-122"/>
+                <a:ea typeface="PingFang SC" panose="020B0400000000000000" pitchFamily="34" charset="-122"/>
+              </a:rPr>
+              <a:t>，指检察官的信件所投入的狮子口信箱。幕启，这时人们正忙碌地准备节曰的活动，场面很吵杂。人群川流不息，合唱</a:t>
+            </a:r>
+            <a:r>
+              <a:rPr lang="en-US" altLang="zh-CN" sz="800" dirty="0">
+                <a:effectLst/>
+                <a:latin typeface="PingFang SC" panose="020B0400000000000000" pitchFamily="34" charset="-122"/>
+                <a:ea typeface="PingFang SC" panose="020B0400000000000000" pitchFamily="34" charset="-122"/>
+              </a:rPr>
+              <a:t>《</a:t>
+            </a:r>
+            <a:r>
+              <a:rPr lang="zh-CN" altLang="en-US" sz="800" dirty="0">
+                <a:effectLst/>
+                <a:latin typeface="PingFang SC" panose="020B0400000000000000" pitchFamily="34" charset="-122"/>
+                <a:ea typeface="PingFang SC" panose="020B0400000000000000" pitchFamily="34" charset="-122"/>
+              </a:rPr>
+              <a:t>欢乐佳节</a:t>
+            </a:r>
+            <a:r>
+              <a:rPr lang="en-US" altLang="zh-CN" sz="800" dirty="0">
+                <a:effectLst/>
+                <a:latin typeface="PingFang SC" panose="020B0400000000000000" pitchFamily="34" charset="-122"/>
+                <a:ea typeface="PingFang SC" panose="020B0400000000000000" pitchFamily="34" charset="-122"/>
+              </a:rPr>
+              <a:t>》</a:t>
+            </a:r>
+            <a:r>
+              <a:rPr lang="en-US" altLang="zh-CN" sz="800" dirty="0">
+                <a:effectLst/>
+                <a:latin typeface="Helvetica Neue" panose="02000503000000020004" pitchFamily="2" charset="0"/>
+                <a:ea typeface="PingFang SC" panose="020B0400000000000000" pitchFamily="34" charset="-122"/>
+              </a:rPr>
+              <a:t>! </a:t>
+            </a:r>
+            <a:r>
+              <a:rPr lang="zh-CN" altLang="en-US" sz="800" dirty="0">
+                <a:effectLst/>
+                <a:latin typeface="PingFang SC" panose="020B0400000000000000" pitchFamily="34" charset="-122"/>
+                <a:ea typeface="PingFang SC" panose="020B0400000000000000" pitchFamily="34" charset="-122"/>
+              </a:rPr>
+              <a:t>侦探巴尔纳巴靠在一根巨柱上，背着一把小吉他，冷眼注视吵杂的人群。群众们争着去看平底船比赛。从巴尔纳巴的独白中，我们得知他是一名歌手，也是充满野心</a:t>
+            </a:r>
+            <a:r>
+              <a:rPr lang="zh-CN" altLang="en-US" sz="800" dirty="0">
+                <a:effectLst/>
+                <a:latin typeface="Helvetica Neue" panose="02000503000000020004" pitchFamily="2" charset="0"/>
+                <a:ea typeface="PingFang SC" panose="020B0400000000000000" pitchFamily="34" charset="-122"/>
+              </a:rPr>
+              <a:t> </a:t>
+            </a:r>
+            <a:r>
+              <a:rPr lang="zh-CN" altLang="en-US" sz="800" dirty="0">
+                <a:effectLst/>
+                <a:latin typeface="PingFang SC" panose="020B0400000000000000" pitchFamily="34" charset="-122"/>
+                <a:ea typeface="PingFang SC" panose="020B0400000000000000" pitchFamily="34" charset="-122"/>
+              </a:rPr>
+              <a:t>与欲望的侦探。他看见美丽的卖唱女郎乔康达伴着她瞎眼母亲切卡走进公爵广场，便躲到圆柱后。</a:t>
+            </a:r>
+            <a:r>
+              <a:rPr lang="zh-CN" altLang="en-US" sz="800" dirty="0">
+                <a:effectLst/>
+                <a:latin typeface="Helvetica Neue" panose="02000503000000020004" pitchFamily="2" charset="0"/>
+                <a:ea typeface="PingFang SC" panose="020B0400000000000000" pitchFamily="34" charset="-122"/>
+              </a:rPr>
+              <a:t> </a:t>
+            </a:r>
+            <a:r>
+              <a:rPr lang="zh-CN" altLang="en-US" sz="800" dirty="0">
+                <a:effectLst/>
+                <a:latin typeface="PingFang SC" panose="020B0400000000000000" pitchFamily="34" charset="-122"/>
+                <a:ea typeface="PingFang SC" panose="020B0400000000000000" pitchFamily="34" charset="-122"/>
+              </a:rPr>
+              <a:t>在</a:t>
+            </a:r>
+            <a:r>
+              <a:rPr lang="zh-CN" altLang="en-US" sz="800" dirty="0">
+                <a:effectLst/>
+                <a:latin typeface="Helvetica Neue" panose="02000503000000020004" pitchFamily="2" charset="0"/>
+                <a:ea typeface="PingFang SC" panose="020B0400000000000000" pitchFamily="34" charset="-122"/>
+              </a:rPr>
+              <a:t>“</a:t>
+            </a:r>
+            <a:r>
+              <a:rPr lang="zh-CN" altLang="en-US" sz="800" dirty="0">
+                <a:effectLst/>
+                <a:latin typeface="PingFang SC" panose="020B0400000000000000" pitchFamily="34" charset="-122"/>
+                <a:ea typeface="PingFang SC" panose="020B0400000000000000" pitchFamily="34" charset="-122"/>
+              </a:rPr>
+              <a:t>女儿哟</a:t>
+            </a:r>
+            <a:r>
+              <a:rPr lang="zh-CN" altLang="en-US" sz="800" dirty="0">
+                <a:effectLst/>
+                <a:latin typeface="Helvetica Neue" panose="02000503000000020004" pitchFamily="2" charset="0"/>
+                <a:ea typeface="PingFang SC" panose="020B0400000000000000" pitchFamily="34" charset="-122"/>
+              </a:rPr>
+              <a:t>”</a:t>
+            </a:r>
+            <a:r>
+              <a:rPr lang="zh-CN" altLang="en-US" sz="800" dirty="0">
+                <a:effectLst/>
+                <a:latin typeface="PingFang SC" panose="020B0400000000000000" pitchFamily="34" charset="-122"/>
+                <a:ea typeface="PingFang SC" panose="020B0400000000000000" pitchFamily="34" charset="-122"/>
+              </a:rPr>
+              <a:t>开始的三重唱中，母亲低诉自己所剩无几的生命，女儿则对母亲表现出无限关怀，巴尔纳巴在暗自高兴乔康达已是囊中物。</a:t>
+            </a:r>
+            <a:r>
+              <a:rPr lang="zh-CN" altLang="en-US" sz="800" dirty="0">
+                <a:effectLst/>
+                <a:latin typeface="Helvetica Neue" panose="02000503000000020004" pitchFamily="2" charset="0"/>
+                <a:ea typeface="PingFang SC" panose="020B0400000000000000" pitchFamily="34" charset="-122"/>
+              </a:rPr>
+              <a:t> </a:t>
+            </a:r>
+            <a:r>
+              <a:rPr lang="zh-CN" altLang="en-US" sz="800" dirty="0">
+                <a:effectLst/>
+                <a:latin typeface="PingFang SC" panose="020B0400000000000000" pitchFamily="34" charset="-122"/>
+                <a:ea typeface="PingFang SC" panose="020B0400000000000000" pitchFamily="34" charset="-122"/>
+              </a:rPr>
+              <a:t>寻欢作乐的人士慢慢离开广场。乔康达也正在寻找一位名叫恩佐的贵族情人，这时巴尔纳巴</a:t>
+            </a:r>
+            <a:r>
+              <a:rPr lang="zh-CN" altLang="en-US" sz="800" dirty="0">
+                <a:effectLst/>
+                <a:latin typeface="Helvetica Neue" panose="02000503000000020004" pitchFamily="2" charset="0"/>
+                <a:ea typeface="PingFang SC" panose="020B0400000000000000" pitchFamily="34" charset="-122"/>
+              </a:rPr>
+              <a:t> </a:t>
+            </a:r>
+            <a:r>
+              <a:rPr lang="zh-CN" altLang="en-US" sz="800" dirty="0">
+                <a:effectLst/>
+                <a:latin typeface="PingFang SC" panose="020B0400000000000000" pitchFamily="34" charset="-122"/>
+                <a:ea typeface="PingFang SC" panose="020B0400000000000000" pitchFamily="34" charset="-122"/>
+              </a:rPr>
+              <a:t>从圆柱后闪出将她纠缠住，色眯眯地向她求爱。乔康达则机警地把他甩掉逃走，巴尔纳巴望着她离去的背影，突然想到一个毒计他要利用她的老母亲来陷害她。</a:t>
+            </a:r>
+            <a:r>
+              <a:rPr lang="zh-CN" altLang="en-US" sz="800" dirty="0">
+                <a:effectLst/>
+                <a:latin typeface="Helvetica Neue" panose="02000503000000020004" pitchFamily="2" charset="0"/>
+                <a:ea typeface="PingFang SC" panose="020B0400000000000000" pitchFamily="34" charset="-122"/>
+              </a:rPr>
+              <a:t> </a:t>
+            </a:r>
+            <a:r>
+              <a:rPr lang="zh-CN" altLang="en-US" sz="800" dirty="0">
+                <a:effectLst/>
+                <a:latin typeface="PingFang SC" panose="020B0400000000000000" pitchFamily="34" charset="-122"/>
+                <a:ea typeface="PingFang SC" panose="020B0400000000000000" pitchFamily="34" charset="-122"/>
+              </a:rPr>
+              <a:t>这时有一群人围着平底船比赛的胜利者兴高采烈地进来。易瑟波和兹阿奈也在人群里，恶毒的巴尔纳巴告诉败北的兹阿奈说：</a:t>
+            </a:r>
+            <a:r>
+              <a:rPr lang="zh-CN" altLang="en-US" sz="800" dirty="0">
+                <a:effectLst/>
+                <a:latin typeface="Helvetica Neue" panose="02000503000000020004" pitchFamily="2" charset="0"/>
+                <a:ea typeface="PingFang SC" panose="020B0400000000000000" pitchFamily="34" charset="-122"/>
+              </a:rPr>
+              <a:t>“</a:t>
+            </a:r>
+            <a:r>
+              <a:rPr lang="zh-CN" altLang="en-US" sz="800" dirty="0">
+                <a:effectLst/>
+                <a:latin typeface="PingFang SC" panose="020B0400000000000000" pitchFamily="34" charset="-122"/>
+                <a:ea typeface="PingFang SC" panose="020B0400000000000000" pitchFamily="34" charset="-122"/>
+              </a:rPr>
+              <a:t>你们比赛失败，是由于乔康达的瞎眼</a:t>
+            </a:r>
+            <a:r>
+              <a:rPr lang="zh-CN" altLang="en-US" sz="800" dirty="0">
+                <a:effectLst/>
+                <a:latin typeface="Helvetica Neue" panose="02000503000000020004" pitchFamily="2" charset="0"/>
+                <a:ea typeface="PingFang SC" panose="020B0400000000000000" pitchFamily="34" charset="-122"/>
+              </a:rPr>
+              <a:t> </a:t>
+            </a:r>
+            <a:r>
+              <a:rPr lang="zh-CN" altLang="en-US" sz="800" dirty="0">
+                <a:effectLst/>
+                <a:latin typeface="PingFang SC" panose="020B0400000000000000" pitchFamily="34" charset="-122"/>
+                <a:ea typeface="PingFang SC" panose="020B0400000000000000" pitchFamily="34" charset="-122"/>
+              </a:rPr>
+              <a:t>母亲发了咒语。</a:t>
+            </a:r>
+            <a:r>
+              <a:rPr lang="zh-CN" altLang="en-US" sz="800" dirty="0">
+                <a:effectLst/>
+                <a:latin typeface="Helvetica Neue" panose="02000503000000020004" pitchFamily="2" charset="0"/>
+                <a:ea typeface="PingFang SC" panose="020B0400000000000000" pitchFamily="34" charset="-122"/>
+              </a:rPr>
+              <a:t>”</a:t>
+            </a:r>
+            <a:r>
+              <a:rPr lang="zh-CN" altLang="en-US" sz="800" dirty="0">
+                <a:effectLst/>
+                <a:latin typeface="PingFang SC" panose="020B0400000000000000" pitchFamily="34" charset="-122"/>
+                <a:ea typeface="PingFang SC" panose="020B0400000000000000" pitchFamily="34" charset="-122"/>
+              </a:rPr>
+              <a:t>兹阿奈听信后，便呵斥乔康达的瞎眼母亲说她是巫婆，使得正在玩骰子的群众也激动起来，于是他们异口同声地高喊：</a:t>
+            </a:r>
+            <a:r>
+              <a:rPr lang="zh-CN" altLang="en-US" sz="800" dirty="0">
+                <a:effectLst/>
+                <a:latin typeface="Helvetica Neue" panose="02000503000000020004" pitchFamily="2" charset="0"/>
+                <a:ea typeface="PingFang SC" panose="020B0400000000000000" pitchFamily="34" charset="-122"/>
+              </a:rPr>
+              <a:t>“</a:t>
+            </a:r>
+            <a:r>
+              <a:rPr lang="zh-CN" altLang="en-US" sz="800" dirty="0">
+                <a:effectLst/>
+                <a:latin typeface="PingFang SC" panose="020B0400000000000000" pitchFamily="34" charset="-122"/>
+                <a:ea typeface="PingFang SC" panose="020B0400000000000000" pitchFamily="34" charset="-122"/>
+              </a:rPr>
+              <a:t>把巫婆杀死</a:t>
+            </a:r>
+            <a:r>
+              <a:rPr lang="en-US" altLang="zh-CN" sz="800" dirty="0">
+                <a:effectLst/>
+                <a:latin typeface="Helvetica Neue" panose="02000503000000020004" pitchFamily="2" charset="0"/>
+                <a:ea typeface="PingFang SC" panose="020B0400000000000000" pitchFamily="34" charset="-122"/>
+              </a:rPr>
+              <a:t>!” </a:t>
+            </a:r>
+            <a:r>
+              <a:rPr lang="zh-CN" altLang="en-US" sz="800" dirty="0">
+                <a:effectLst/>
+                <a:latin typeface="PingFang SC" panose="020B0400000000000000" pitchFamily="34" charset="-122"/>
+                <a:ea typeface="PingFang SC" panose="020B0400000000000000" pitchFamily="34" charset="-122"/>
+              </a:rPr>
+              <a:t>当人们把可怜的瞎眼老妇人逮捕，准备把她拖到警官处时，恩佐和乔康达恰好登场，乔康达为了营救母亲，和众人对立起来。这时阿尔维塞和用黑纱遮面的劳拉登</a:t>
+            </a:r>
+            <a:r>
+              <a:rPr lang="zh-CN" altLang="en-US" sz="800" dirty="0">
+                <a:effectLst/>
+                <a:latin typeface="Helvetica Neue" panose="02000503000000020004" pitchFamily="2" charset="0"/>
+                <a:ea typeface="PingFang SC" panose="020B0400000000000000" pitchFamily="34" charset="-122"/>
+              </a:rPr>
+              <a:t> </a:t>
+            </a:r>
+            <a:r>
+              <a:rPr lang="zh-CN" altLang="en-US" sz="800" dirty="0">
+                <a:effectLst/>
+                <a:latin typeface="PingFang SC" panose="020B0400000000000000" pitchFamily="34" charset="-122"/>
+                <a:ea typeface="PingFang SC" panose="020B0400000000000000" pitchFamily="34" charset="-122"/>
+              </a:rPr>
+              <a:t>场，劳拉听到乔康达的哀求后，请求丈夫替瞎眼老妇人想想办法。结果，阿尔维塞判决说，她是一个虔诚教徒，不是巫婆，母亲终于得救。</a:t>
+            </a:r>
+            <a:r>
+              <a:rPr lang="zh-CN" altLang="en-US" sz="800" dirty="0">
+                <a:effectLst/>
+                <a:latin typeface="Helvetica Neue" panose="02000503000000020004" pitchFamily="2" charset="0"/>
+                <a:ea typeface="PingFang SC" panose="020B0400000000000000" pitchFamily="34" charset="-122"/>
+              </a:rPr>
+              <a:t> </a:t>
+            </a:r>
+            <a:r>
+              <a:rPr lang="zh-CN" altLang="en-US" sz="800" dirty="0">
+                <a:effectLst/>
+                <a:latin typeface="PingFang SC" panose="020B0400000000000000" pitchFamily="34" charset="-122"/>
+                <a:ea typeface="PingFang SC" panose="020B0400000000000000" pitchFamily="34" charset="-122"/>
+              </a:rPr>
+              <a:t>这时乔康达的母亲切卡唱出小咏叹调</a:t>
+            </a:r>
+            <a:r>
+              <a:rPr lang="en-US" altLang="zh-CN" sz="800" dirty="0">
+                <a:effectLst/>
+                <a:latin typeface="PingFang SC" panose="020B0400000000000000" pitchFamily="34" charset="-122"/>
+                <a:ea typeface="PingFang SC" panose="020B0400000000000000" pitchFamily="34" charset="-122"/>
+              </a:rPr>
+              <a:t>《</a:t>
+            </a:r>
+            <a:r>
+              <a:rPr lang="zh-CN" altLang="en-US" sz="800" dirty="0">
+                <a:effectLst/>
+                <a:latin typeface="PingFang SC" panose="020B0400000000000000" pitchFamily="34" charset="-122"/>
+                <a:ea typeface="PingFang SC" panose="020B0400000000000000" pitchFamily="34" charset="-122"/>
+              </a:rPr>
+              <a:t>是贵妇或天使的声音</a:t>
+            </a:r>
+            <a:r>
+              <a:rPr lang="en-US" altLang="zh-CN" sz="800" dirty="0">
+                <a:effectLst/>
+                <a:latin typeface="PingFang SC" panose="020B0400000000000000" pitchFamily="34" charset="-122"/>
+                <a:ea typeface="PingFang SC" panose="020B0400000000000000" pitchFamily="34" charset="-122"/>
+              </a:rPr>
+              <a:t>》</a:t>
+            </a:r>
+            <a:r>
+              <a:rPr lang="zh-CN" altLang="en-US" sz="800" dirty="0">
+                <a:effectLst/>
+                <a:latin typeface="PingFang SC" panose="020B0400000000000000" pitchFamily="34" charset="-122"/>
+                <a:ea typeface="PingFang SC" panose="020B0400000000000000" pitchFamily="34" charset="-122"/>
+              </a:rPr>
+              <a:t>，感谢劳拉的救命之恩，还把手中的念珠献给劳拉。</a:t>
+            </a:r>
+            <a:r>
+              <a:rPr lang="zh-CN" altLang="en-US" sz="800" dirty="0">
+                <a:effectLst/>
+                <a:latin typeface="Helvetica Neue" panose="02000503000000020004" pitchFamily="2" charset="0"/>
+                <a:ea typeface="PingFang SC" panose="020B0400000000000000" pitchFamily="34" charset="-122"/>
+              </a:rPr>
+              <a:t> </a:t>
+            </a:r>
+            <a:r>
+              <a:rPr lang="zh-CN" altLang="en-US" sz="800" dirty="0">
+                <a:effectLst/>
+                <a:latin typeface="PingFang SC" panose="020B0400000000000000" pitchFamily="34" charset="-122"/>
+                <a:ea typeface="PingFang SC" panose="020B0400000000000000" pitchFamily="34" charset="-122"/>
+              </a:rPr>
+              <a:t>因乔康达的请求，劳拉说出自己的名字，恩佐听后才知道这个黑纱遮面妇人是自己的旧情人。等众人都离开后，舞台上只剩巴尔纳巴和恩佐时，巴尔纳巴便走到他身</a:t>
+            </a:r>
+            <a:r>
+              <a:rPr lang="zh-CN" altLang="en-US" sz="800" dirty="0">
+                <a:effectLst/>
+                <a:latin typeface="Helvetica Neue" panose="02000503000000020004" pitchFamily="2" charset="0"/>
+                <a:ea typeface="PingFang SC" panose="020B0400000000000000" pitchFamily="34" charset="-122"/>
+              </a:rPr>
+              <a:t> </a:t>
+            </a:r>
+            <a:r>
+              <a:rPr lang="zh-CN" altLang="en-US" sz="800" dirty="0">
+                <a:effectLst/>
+                <a:latin typeface="PingFang SC" panose="020B0400000000000000" pitchFamily="34" charset="-122"/>
+                <a:ea typeface="PingFang SC" panose="020B0400000000000000" pitchFamily="34" charset="-122"/>
+              </a:rPr>
+              <a:t>边说：</a:t>
+            </a:r>
+            <a:r>
+              <a:rPr lang="zh-CN" altLang="en-US" sz="800" dirty="0">
+                <a:effectLst/>
+                <a:latin typeface="Helvetica Neue" panose="02000503000000020004" pitchFamily="2" charset="0"/>
+                <a:ea typeface="PingFang SC" panose="020B0400000000000000" pitchFamily="34" charset="-122"/>
+              </a:rPr>
+              <a:t>“</a:t>
+            </a:r>
+            <a:r>
+              <a:rPr lang="zh-CN" altLang="en-US" sz="800" dirty="0">
+                <a:effectLst/>
+                <a:latin typeface="PingFang SC" panose="020B0400000000000000" pitchFamily="34" charset="-122"/>
+                <a:ea typeface="PingFang SC" panose="020B0400000000000000" pitchFamily="34" charset="-122"/>
+              </a:rPr>
+              <a:t>我知道你是被驱逐的圣费欧尔公爵。</a:t>
+            </a:r>
+            <a:r>
+              <a:rPr lang="zh-CN" altLang="en-US" sz="800" dirty="0">
+                <a:effectLst/>
+                <a:latin typeface="Helvetica Neue" panose="02000503000000020004" pitchFamily="2" charset="0"/>
+                <a:ea typeface="PingFang SC" panose="020B0400000000000000" pitchFamily="34" charset="-122"/>
+              </a:rPr>
+              <a:t>”</a:t>
+            </a:r>
+            <a:r>
+              <a:rPr lang="zh-CN" altLang="en-US" sz="800" dirty="0">
+                <a:effectLst/>
+                <a:latin typeface="PingFang SC" panose="020B0400000000000000" pitchFamily="34" charset="-122"/>
+                <a:ea typeface="PingFang SC" panose="020B0400000000000000" pitchFamily="34" charset="-122"/>
+              </a:rPr>
+              <a:t>他揭开恩佐的底细后又进一步胁迫他：</a:t>
+            </a:r>
+            <a:r>
+              <a:rPr lang="zh-CN" altLang="en-US" sz="800" dirty="0">
+                <a:effectLst/>
+                <a:latin typeface="Helvetica Neue" panose="02000503000000020004" pitchFamily="2" charset="0"/>
+                <a:ea typeface="PingFang SC" panose="020B0400000000000000" pitchFamily="34" charset="-122"/>
+              </a:rPr>
+              <a:t>“</a:t>
+            </a:r>
+            <a:r>
+              <a:rPr lang="zh-CN" altLang="en-US" sz="800" dirty="0">
+                <a:effectLst/>
+                <a:latin typeface="PingFang SC" panose="020B0400000000000000" pitchFamily="34" charset="-122"/>
+                <a:ea typeface="PingFang SC" panose="020B0400000000000000" pitchFamily="34" charset="-122"/>
+              </a:rPr>
+              <a:t>我爱着乔康达。你如果想和劳拉逃亡，我愿助你一臂之力。</a:t>
+            </a:r>
+            <a:r>
+              <a:rPr lang="zh-CN" altLang="en-US" sz="800" dirty="0">
+                <a:effectLst/>
+                <a:latin typeface="Helvetica Neue" panose="02000503000000020004" pitchFamily="2" charset="0"/>
+                <a:ea typeface="PingFang SC" panose="020B0400000000000000" pitchFamily="34" charset="-122"/>
+              </a:rPr>
+              <a:t>” </a:t>
+            </a:r>
+            <a:r>
+              <a:rPr lang="zh-CN" altLang="en-US" sz="800" dirty="0">
+                <a:effectLst/>
+                <a:latin typeface="PingFang SC" panose="020B0400000000000000" pitchFamily="34" charset="-122"/>
+                <a:ea typeface="PingFang SC" panose="020B0400000000000000" pitchFamily="34" charset="-122"/>
+              </a:rPr>
+              <a:t>恩佐虽然觉得可疑，依旧答应说自己今晚会在船上等劳拉，说罢便离开。等恩佐远去后，巴尔纳巴即刻请易瑟波代写一张告密状，向宗教法院密告发劳拉和恩佐。这</a:t>
+            </a:r>
+            <a:r>
+              <a:rPr lang="zh-CN" altLang="en-US" sz="800" dirty="0">
+                <a:effectLst/>
+                <a:latin typeface="Helvetica Neue" panose="02000503000000020004" pitchFamily="2" charset="0"/>
+                <a:ea typeface="PingFang SC" panose="020B0400000000000000" pitchFamily="34" charset="-122"/>
+              </a:rPr>
+              <a:t> </a:t>
+            </a:r>
+            <a:r>
+              <a:rPr lang="zh-CN" altLang="en-US" sz="800" dirty="0">
+                <a:effectLst/>
+                <a:latin typeface="PingFang SC" panose="020B0400000000000000" pitchFamily="34" charset="-122"/>
+                <a:ea typeface="PingFang SC" panose="020B0400000000000000" pitchFamily="34" charset="-122"/>
+              </a:rPr>
+              <a:t>两人的诡计，被躲在隐蔽处的乔康达母女听到了。此时得意的巴尔纳巴说：</a:t>
+            </a:r>
+            <a:r>
+              <a:rPr lang="zh-CN" altLang="en-US" sz="800" dirty="0">
+                <a:effectLst/>
+                <a:latin typeface="Helvetica Neue" panose="02000503000000020004" pitchFamily="2" charset="0"/>
+                <a:ea typeface="PingFang SC" panose="020B0400000000000000" pitchFamily="34" charset="-122"/>
+              </a:rPr>
+              <a:t>“</a:t>
+            </a:r>
+            <a:r>
+              <a:rPr lang="zh-CN" altLang="en-US" sz="800" dirty="0">
+                <a:effectLst/>
+                <a:latin typeface="PingFang SC" panose="020B0400000000000000" pitchFamily="34" charset="-122"/>
+                <a:ea typeface="PingFang SC" panose="020B0400000000000000" pitchFamily="34" charset="-122"/>
+              </a:rPr>
+              <a:t>侦探便是世间之王</a:t>
+            </a:r>
+            <a:r>
+              <a:rPr lang="zh-CN" altLang="en-US" sz="800" dirty="0">
+                <a:effectLst/>
+                <a:latin typeface="Helvetica Neue" panose="02000503000000020004" pitchFamily="2" charset="0"/>
+                <a:ea typeface="PingFang SC" panose="020B0400000000000000" pitchFamily="34" charset="-122"/>
+              </a:rPr>
+              <a:t>”</a:t>
+            </a:r>
+            <a:r>
+              <a:rPr lang="zh-CN" altLang="en-US" sz="800" dirty="0">
+                <a:effectLst/>
+                <a:latin typeface="PingFang SC" panose="020B0400000000000000" pitchFamily="34" charset="-122"/>
+                <a:ea typeface="PingFang SC" panose="020B0400000000000000" pitchFamily="34" charset="-122"/>
+              </a:rPr>
+              <a:t>，然后拿着告密信向</a:t>
+            </a:r>
+            <a:r>
+              <a:rPr lang="zh-CN" altLang="en-US" sz="800" dirty="0">
+                <a:effectLst/>
+                <a:latin typeface="Helvetica Neue" panose="02000503000000020004" pitchFamily="2" charset="0"/>
+                <a:ea typeface="PingFang SC" panose="020B0400000000000000" pitchFamily="34" charset="-122"/>
+              </a:rPr>
+              <a:t>“</a:t>
+            </a:r>
+            <a:r>
+              <a:rPr lang="zh-CN" altLang="en-US" sz="800" dirty="0">
+                <a:effectLst/>
+                <a:latin typeface="PingFang SC" panose="020B0400000000000000" pitchFamily="34" charset="-122"/>
+                <a:ea typeface="PingFang SC" panose="020B0400000000000000" pitchFamily="34" charset="-122"/>
+              </a:rPr>
+              <a:t>狮口</a:t>
+            </a:r>
+            <a:r>
+              <a:rPr lang="zh-CN" altLang="en-US" sz="800" dirty="0">
+                <a:effectLst/>
+                <a:latin typeface="Helvetica Neue" panose="02000503000000020004" pitchFamily="2" charset="0"/>
+                <a:ea typeface="PingFang SC" panose="020B0400000000000000" pitchFamily="34" charset="-122"/>
+              </a:rPr>
+              <a:t>”</a:t>
+            </a:r>
+            <a:r>
+              <a:rPr lang="zh-CN" altLang="en-US" sz="800" dirty="0">
+                <a:effectLst/>
+                <a:latin typeface="PingFang SC" panose="020B0400000000000000" pitchFamily="34" charset="-122"/>
+                <a:ea typeface="PingFang SC" panose="020B0400000000000000" pitchFamily="34" charset="-122"/>
+              </a:rPr>
+              <a:t>处走去。</a:t>
+            </a:r>
+            <a:r>
+              <a:rPr lang="zh-CN" altLang="en-US" sz="800" dirty="0">
+                <a:effectLst/>
+                <a:latin typeface="Helvetica Neue" panose="02000503000000020004" pitchFamily="2" charset="0"/>
+                <a:ea typeface="PingFang SC" panose="020B0400000000000000" pitchFamily="34" charset="-122"/>
+              </a:rPr>
+              <a:t> </a:t>
+            </a:r>
+            <a:r>
+              <a:rPr lang="zh-CN" altLang="en-US" sz="800" dirty="0">
+                <a:effectLst/>
+                <a:latin typeface="PingFang SC" panose="020B0400000000000000" pitchFamily="34" charset="-122"/>
+                <a:ea typeface="PingFang SC" panose="020B0400000000000000" pitchFamily="34" charset="-122"/>
+              </a:rPr>
+              <a:t>接着，戴假面者的快活歌声，随着钟声逐渐平静。这时候，乔康达由于得知恩佐真正爱的人是劳拉，她发觉自己遗弃而感到无比悲愤。在这段二重唱中，母亲则温煦</a:t>
+            </a:r>
+            <a:r>
+              <a:rPr lang="zh-CN" altLang="en-US" sz="800" dirty="0">
+                <a:effectLst/>
+                <a:latin typeface="Helvetica Neue" panose="02000503000000020004" pitchFamily="2" charset="0"/>
+                <a:ea typeface="PingFang SC" panose="020B0400000000000000" pitchFamily="34" charset="-122"/>
+              </a:rPr>
+              <a:t> </a:t>
+            </a:r>
+            <a:r>
+              <a:rPr lang="zh-CN" altLang="en-US" sz="800" dirty="0">
+                <a:effectLst/>
+                <a:latin typeface="PingFang SC" panose="020B0400000000000000" pitchFamily="34" charset="-122"/>
+                <a:ea typeface="PingFang SC" panose="020B0400000000000000" pitchFamily="34" charset="-122"/>
+              </a:rPr>
+              <a:t>地安慰她。</a:t>
+            </a:r>
+            <a:endParaRPr lang="en-US" altLang="zh-CN" sz="800" dirty="0">
+              <a:effectLst/>
+              <a:latin typeface="PingFang SC" panose="020B0400000000000000" pitchFamily="34" charset="-122"/>
+              <a:ea typeface="PingFang SC" panose="020B0400000000000000" pitchFamily="34" charset="-122"/>
+            </a:endParaRPr>
+          </a:p>
+          <a:p>
+            <a:r>
+              <a:rPr lang="zh-CN" altLang="en-US" sz="800" b="1" dirty="0">
+                <a:effectLst/>
+                <a:latin typeface="Helvetica Neue" panose="02000503000000020004" pitchFamily="2" charset="0"/>
+              </a:rPr>
+              <a:t>第二幕</a:t>
+            </a:r>
+            <a:r>
+              <a:rPr lang="zh-CN" altLang="en-US" sz="800" dirty="0">
+                <a:effectLst/>
+                <a:latin typeface="Helvetica Neue" panose="02000503000000020004" pitchFamily="2" charset="0"/>
+              </a:rPr>
+              <a:t> “念珠”，海边。</a:t>
+            </a:r>
+          </a:p>
+          <a:p>
+            <a:r>
+              <a:rPr lang="zh-CN" altLang="en-US" sz="800" dirty="0">
+                <a:effectLst/>
+                <a:latin typeface="PingFang SC" panose="020B0400000000000000" pitchFamily="34" charset="-122"/>
+                <a:ea typeface="PingFang SC" panose="020B0400000000000000" pitchFamily="34" charset="-122"/>
+              </a:rPr>
+              <a:t>背景是远方的无人岛和荒凉的海边。传来水手们的合唱，这歌声打破了夜晚的寂静。</a:t>
+            </a:r>
+            <a:r>
+              <a:rPr lang="zh-CN" altLang="en-US" sz="800" dirty="0">
+                <a:effectLst/>
+                <a:latin typeface="Helvetica Neue" panose="02000503000000020004" pitchFamily="2" charset="0"/>
+                <a:ea typeface="PingFang SC" panose="020B0400000000000000" pitchFamily="34" charset="-122"/>
+              </a:rPr>
+              <a:t> </a:t>
+            </a:r>
+            <a:r>
+              <a:rPr lang="zh-CN" altLang="en-US" sz="800" dirty="0">
+                <a:effectLst/>
+                <a:latin typeface="PingFang SC" panose="020B0400000000000000" pitchFamily="34" charset="-122"/>
+                <a:ea typeface="PingFang SC" panose="020B0400000000000000" pitchFamily="34" charset="-122"/>
+              </a:rPr>
+              <a:t>巴尔纳巴为了监视恩佐和劳拉私奔，乔装成渔夫和易瑟波一起登场。他们和水手们交谈后唱出了：</a:t>
+            </a:r>
+            <a:r>
+              <a:rPr lang="zh-CN" altLang="en-US" sz="800" dirty="0">
+                <a:effectLst/>
+                <a:latin typeface="Helvetica Neue" panose="02000503000000020004" pitchFamily="2" charset="0"/>
+                <a:ea typeface="PingFang SC" panose="020B0400000000000000" pitchFamily="34" charset="-122"/>
+              </a:rPr>
+              <a:t>“</a:t>
+            </a:r>
+            <a:r>
+              <a:rPr lang="zh-CN" altLang="en-US" sz="800" dirty="0">
+                <a:effectLst/>
+                <a:latin typeface="PingFang SC" panose="020B0400000000000000" pitchFamily="34" charset="-122"/>
+                <a:ea typeface="PingFang SC" panose="020B0400000000000000" pitchFamily="34" charset="-122"/>
+              </a:rPr>
+              <a:t>啊，渔夫们。让鱼饵下沉吧</a:t>
+            </a:r>
+            <a:r>
+              <a:rPr lang="zh-CN" altLang="en-US" sz="800" dirty="0">
+                <a:effectLst/>
+                <a:latin typeface="Helvetica Neue" panose="02000503000000020004" pitchFamily="2" charset="0"/>
+                <a:ea typeface="PingFang SC" panose="020B0400000000000000" pitchFamily="34" charset="-122"/>
+              </a:rPr>
+              <a:t>”</a:t>
+            </a:r>
+            <a:r>
+              <a:rPr lang="zh-CN" altLang="en-US" sz="800" dirty="0">
+                <a:effectLst/>
+                <a:latin typeface="PingFang SC" panose="020B0400000000000000" pitchFamily="34" charset="-122"/>
+                <a:ea typeface="PingFang SC" panose="020B0400000000000000" pitchFamily="34" charset="-122"/>
+              </a:rPr>
+              <a:t>，在此曲中唱出侦探所遵奉的信</a:t>
+            </a:r>
+            <a:r>
+              <a:rPr lang="zh-CN" altLang="en-US" sz="800" dirty="0">
+                <a:effectLst/>
+                <a:latin typeface="Helvetica Neue" panose="02000503000000020004" pitchFamily="2" charset="0"/>
+                <a:ea typeface="PingFang SC" panose="020B0400000000000000" pitchFamily="34" charset="-122"/>
+              </a:rPr>
+              <a:t> </a:t>
+            </a:r>
+            <a:r>
+              <a:rPr lang="zh-CN" altLang="en-US" sz="800" dirty="0">
+                <a:effectLst/>
+                <a:latin typeface="PingFang SC" panose="020B0400000000000000" pitchFamily="34" charset="-122"/>
+                <a:ea typeface="PingFang SC" panose="020B0400000000000000" pitchFamily="34" charset="-122"/>
+              </a:rPr>
+              <a:t>条。</a:t>
+            </a:r>
+            <a:r>
+              <a:rPr lang="zh-CN" altLang="en-US" sz="800" dirty="0">
+                <a:effectLst/>
+                <a:latin typeface="Helvetica Neue" panose="02000503000000020004" pitchFamily="2" charset="0"/>
+                <a:ea typeface="PingFang SC" panose="020B0400000000000000" pitchFamily="34" charset="-122"/>
+              </a:rPr>
+              <a:t> </a:t>
+            </a:r>
+            <a:r>
+              <a:rPr lang="zh-CN" altLang="en-US" sz="800" dirty="0">
+                <a:effectLst/>
+                <a:latin typeface="PingFang SC" panose="020B0400000000000000" pitchFamily="34" charset="-122"/>
+                <a:ea typeface="PingFang SC" panose="020B0400000000000000" pitchFamily="34" charset="-122"/>
+              </a:rPr>
+              <a:t>巴尔纳巴说：</a:t>
+            </a:r>
+            <a:r>
+              <a:rPr lang="zh-CN" altLang="en-US" sz="800" dirty="0">
+                <a:effectLst/>
+                <a:latin typeface="Helvetica Neue" panose="02000503000000020004" pitchFamily="2" charset="0"/>
+                <a:ea typeface="PingFang SC" panose="020B0400000000000000" pitchFamily="34" charset="-122"/>
+              </a:rPr>
+              <a:t>“</a:t>
+            </a:r>
+            <a:r>
+              <a:rPr lang="zh-CN" altLang="en-US" sz="800" dirty="0">
+                <a:effectLst/>
+                <a:latin typeface="PingFang SC" panose="020B0400000000000000" pitchFamily="34" charset="-122"/>
+                <a:ea typeface="PingFang SC" panose="020B0400000000000000" pitchFamily="34" charset="-122"/>
+              </a:rPr>
+              <a:t>鱼儿快上网了</a:t>
+            </a:r>
+            <a:r>
+              <a:rPr lang="zh-CN" altLang="en-US" sz="800" dirty="0">
+                <a:effectLst/>
+                <a:latin typeface="Helvetica Neue" panose="02000503000000020004" pitchFamily="2" charset="0"/>
+                <a:ea typeface="PingFang SC" panose="020B0400000000000000" pitchFamily="34" charset="-122"/>
+              </a:rPr>
+              <a:t>”</a:t>
+            </a:r>
+            <a:r>
+              <a:rPr lang="zh-CN" altLang="en-US" sz="800" dirty="0">
+                <a:effectLst/>
+                <a:latin typeface="PingFang SC" panose="020B0400000000000000" pitchFamily="34" charset="-122"/>
+                <a:ea typeface="PingFang SC" panose="020B0400000000000000" pitchFamily="34" charset="-122"/>
+              </a:rPr>
+              <a:t>暗示着恩佐和劳拉马上将掉入他的陷阱。他退场后，恩佐接替般登场，接连向水手们发出指令。</a:t>
+            </a:r>
+            <a:endParaRPr lang="en-US" altLang="zh-CN" sz="800" dirty="0">
+              <a:effectLst/>
+              <a:latin typeface="PingFang SC" panose="020B0400000000000000" pitchFamily="34" charset="-122"/>
+              <a:ea typeface="PingFang SC" panose="020B0400000000000000" pitchFamily="34" charset="-122"/>
+            </a:endParaRPr>
+          </a:p>
+          <a:p>
+            <a:r>
+              <a:rPr lang="zh-CN" altLang="en-US" sz="800" dirty="0">
+                <a:effectLst/>
+                <a:latin typeface="Helvetica Neue" panose="02000503000000020004" pitchFamily="2" charset="0"/>
+              </a:rPr>
+              <a:t>不久他让所有的人员都去休息一个人 站在甲板上唱出著名的的咏叹调</a:t>
+            </a:r>
+            <a:r>
+              <a:rPr lang="en-US" altLang="zh-CN" sz="800" dirty="0">
+                <a:effectLst/>
+                <a:latin typeface="Helvetica Neue" panose="02000503000000020004" pitchFamily="2" charset="0"/>
+              </a:rPr>
+              <a:t>《</a:t>
+            </a:r>
+            <a:r>
+              <a:rPr lang="zh-CN" altLang="en-US" sz="800" dirty="0">
+                <a:effectLst/>
+                <a:latin typeface="Helvetica Neue" panose="02000503000000020004" pitchFamily="2" charset="0"/>
+              </a:rPr>
+              <a:t>天空与海洋</a:t>
+            </a:r>
+            <a:r>
+              <a:rPr lang="en-US" altLang="zh-CN" sz="800" dirty="0">
+                <a:effectLst/>
+                <a:latin typeface="Helvetica Neue" panose="02000503000000020004" pitchFamily="2" charset="0"/>
+              </a:rPr>
+              <a:t>》</a:t>
+            </a:r>
+            <a:r>
+              <a:rPr lang="zh-CN" altLang="en-US" sz="800" dirty="0">
+                <a:effectLst/>
+                <a:latin typeface="Helvetica Neue" panose="02000503000000020004" pitchFamily="2" charset="0"/>
+              </a:rPr>
+              <a:t>，表达他强烈地思念劳拉的激昂情绪。有一艘小船靠近，是巴尔纳巴带着劳拉来了。当两人在亲密地呢喃的话语时， 巴尔纳巴在稍远处监视着，而且露出邪恶的狞笑。从“哦，别害怕”起的三重唱中，情侣强烈地表达了相爱不渝的决心。当恩佐走进船舱后，独自留下的劳拉便唱出 浪漫曲</a:t>
+            </a:r>
+            <a:r>
+              <a:rPr lang="en-US" altLang="zh-CN" sz="800" dirty="0">
+                <a:effectLst/>
+                <a:latin typeface="Helvetica Neue" panose="02000503000000020004" pitchFamily="2" charset="0"/>
+              </a:rPr>
+              <a:t>《</a:t>
+            </a:r>
+            <a:r>
+              <a:rPr lang="zh-CN" altLang="en-US" sz="800" dirty="0">
+                <a:effectLst/>
+                <a:latin typeface="Helvetica Neue" panose="02000503000000020004" pitchFamily="2" charset="0"/>
+              </a:rPr>
+              <a:t>水手的星星呵</a:t>
+            </a:r>
+            <a:r>
+              <a:rPr lang="en-US" altLang="zh-CN" sz="800" dirty="0">
+                <a:effectLst/>
+                <a:latin typeface="Helvetica Neue" panose="02000503000000020004" pitchFamily="2" charset="0"/>
+              </a:rPr>
+              <a:t>》</a:t>
+            </a:r>
+            <a:r>
+              <a:rPr lang="zh-CN" altLang="en-US" sz="800" dirty="0">
+                <a:effectLst/>
+                <a:latin typeface="Helvetica Neue" panose="02000503000000020004" pitchFamily="2" charset="0"/>
+              </a:rPr>
+              <a:t>她向圣母马利亚祷告，请保佑他们这次爱的航行。 这时戴上假面具的乔康达悄悄地来到。当劳拉唱完后她便出现在劳拉面前，对这位情敌说出充满憎恶与嫉妒之情的话。在二重唱“我在这里等待”中，这两个女人彼 此夸耀自己是如何热爱着恩佐，互不相让。情急之中乔康达抽出短剑向劳拉冲过来。 被追杀的劳拉，拿出身上的念珠，高声向圣母求救。乔康达看到这熟悉的念珠后，顿时明白了一切，她让劳拉坐上小船逃走。在阴暗处窥视着一切经过的巴尔纳巴， 立刻紧追劳拉而去。 当恩佐出来寻找劳拉时，乔康达骗他说劳拉因后悔又逃回去了。恩佐听了无比愤慨，而且激动地逼问乔康达。最后乔康达就说出了巴尔纳巴的阴谋，他即将掉入政敌 的陷阱中。恩佐随即用火炬把船点着火，自己和小船一起漂入幽幽深海之中。由于恩佐对劳拉的爱意至死不变，使乔康达的嫉妒心更加高涨。</a:t>
+            </a:r>
+          </a:p>
+          <a:p>
+            <a:endParaRPr lang="zh-CN" altLang="en-US" sz="800" dirty="0">
+              <a:effectLst/>
+              <a:latin typeface="PingFang SC" panose="020B0400000000000000" pitchFamily="34" charset="-122"/>
+              <a:ea typeface="PingFang SC" panose="020B0400000000000000" pitchFamily="34" charset="-122"/>
+            </a:endParaRPr>
+          </a:p>
+          <a:p>
+            <a:endParaRPr lang="zh-CN" altLang="en-US" sz="800" dirty="0">
+              <a:effectLst/>
+              <a:latin typeface="PingFang SC" panose="020B0400000000000000" pitchFamily="34" charset="-122"/>
+              <a:ea typeface="PingFang SC" panose="020B0400000000000000" pitchFamily="34" charset="-122"/>
+            </a:endParaRPr>
+          </a:p>
+        </p:txBody>
+      </p:sp>
+      <p:sp>
+        <p:nvSpPr>
+          <p:cNvPr id="2" name="Textfeld 2">
+            <a:extLst>
+              <a:ext uri="{FF2B5EF4-FFF2-40B4-BE49-F238E27FC236}">
+                <a16:creationId xmlns:a16="http://schemas.microsoft.com/office/drawing/2014/main" id="{9AF943B1-FD6D-C3BC-15CA-5C97519EEE68}"/>
+              </a:ext>
+            </a:extLst>
+          </p:cNvPr>
+          <p:cNvSpPr txBox="1"/>
+          <p:nvPr/>
+        </p:nvSpPr>
+        <p:spPr>
+          <a:xfrm>
+            <a:off x="4933741" y="0"/>
+            <a:ext cx="4953000" cy="4647426"/>
+          </a:xfrm>
+          <a:prstGeom prst="rect">
+            <a:avLst/>
+          </a:prstGeom>
+          <a:noFill/>
+        </p:spPr>
+        <p:txBody>
+          <a:bodyPr wrap="square">
+            <a:spAutoFit/>
+          </a:bodyPr>
+          <a:lstStyle/>
+          <a:p>
+            <a:r>
+              <a:rPr lang="zh-CN" altLang="en-US" sz="800" b="1" dirty="0">
+                <a:effectLst/>
+                <a:latin typeface="Helvetica Neue" panose="02000503000000020004" pitchFamily="2" charset="0"/>
+              </a:rPr>
+              <a:t>第三幕</a:t>
+            </a:r>
+            <a:r>
+              <a:rPr lang="zh-CN" altLang="en-US" sz="800" dirty="0">
+                <a:effectLst/>
+                <a:latin typeface="Helvetica Neue" panose="02000503000000020004" pitchFamily="2" charset="0"/>
+              </a:rPr>
+              <a:t> “黄金之家”</a:t>
+            </a:r>
+          </a:p>
+          <a:p>
+            <a:pPr>
+              <a:buFont typeface="Arial" panose="020B0604020202020204" pitchFamily="34" charset="0"/>
+              <a:buChar char="•"/>
+            </a:pPr>
+            <a:r>
+              <a:rPr lang="zh-CN" altLang="en-US" sz="800" dirty="0">
+                <a:effectLst/>
+                <a:latin typeface="Helvetica Neue" panose="02000503000000020004" pitchFamily="2" charset="0"/>
+              </a:rPr>
+              <a:t>第一景：黄金之家的一室</a:t>
+            </a:r>
             <a:br>
-              <a:rPr lang="zh-CN" altLang="en-US" sz="900" dirty="0"/>
+              <a:rPr lang="zh-CN" altLang="en-US" sz="800" dirty="0">
+                <a:effectLst/>
+                <a:latin typeface="Helvetica Neue" panose="02000503000000020004" pitchFamily="2" charset="0"/>
+              </a:rPr>
             </a:br>
             <a:r>
-              <a:rPr lang="zh-CN" altLang="en-US" sz="900" b="0" i="0" dirty="0">
-                <a:solidFill>
-                  <a:srgbClr val="000000"/>
-                </a:solidFill>
-                <a:effectLst/>
-                <a:latin typeface="NovelPro-regular"/>
-              </a:rPr>
-              <a:t>如果你将 </a:t>
-            </a:r>
-            <a:r>
-              <a:rPr lang="en-US" altLang="zh-CN" sz="900" b="0" i="0" dirty="0">
-                <a:solidFill>
-                  <a:srgbClr val="000000"/>
-                </a:solidFill>
-                <a:effectLst/>
-                <a:latin typeface="NovelPro-regular"/>
-              </a:rPr>
-              <a:t>Lohengrin </a:t>
-            </a:r>
-            <a:r>
-              <a:rPr lang="zh-CN" altLang="en-US" sz="900" b="0" i="0" dirty="0">
-                <a:solidFill>
-                  <a:srgbClr val="000000"/>
-                </a:solidFill>
-                <a:effectLst/>
-                <a:latin typeface="NovelPro-regular"/>
-              </a:rPr>
-              <a:t>想象成那些掌握了媒体姿态并使用最强烈的图像和传说在他周围建立救赎神话的政治家之一，你很容易将他视为一个权力政治骗子，他感觉到他有机会创造一个新的一个在破碎的德意志土地上建立新制度、新意识形态的国家。人们可以在瓦格纳的文本和音乐中找到数量惊人的段落来支持这种解读。让我们以禁止提问为例：</a:t>
-            </a:r>
-            <a:r>
-              <a:rPr lang="en-US" altLang="zh-CN" sz="900" b="0" i="0" dirty="0">
-                <a:solidFill>
-                  <a:srgbClr val="000000"/>
-                </a:solidFill>
-                <a:effectLst/>
-                <a:latin typeface="NovelPro-regular"/>
-              </a:rPr>
-              <a:t>Elsa </a:t>
-            </a:r>
-            <a:r>
-              <a:rPr lang="zh-CN" altLang="en-US" sz="900" b="0" i="0" dirty="0">
-                <a:solidFill>
-                  <a:srgbClr val="000000"/>
-                </a:solidFill>
-                <a:effectLst/>
-                <a:latin typeface="NovelPro-regular"/>
-              </a:rPr>
-              <a:t>的生命处于危险之中，她被指控谋杀了她的兄弟 </a:t>
-            </a:r>
-            <a:r>
-              <a:rPr lang="en-US" altLang="zh-CN" sz="900" b="0" i="0" dirty="0">
-                <a:solidFill>
-                  <a:srgbClr val="000000"/>
-                </a:solidFill>
-                <a:effectLst/>
-                <a:latin typeface="NovelPro-regular"/>
-              </a:rPr>
-              <a:t>Gottfried</a:t>
-            </a:r>
-            <a:r>
-              <a:rPr lang="zh-CN" altLang="en-US" sz="900" b="0" i="0" dirty="0">
-                <a:solidFill>
-                  <a:srgbClr val="000000"/>
-                </a:solidFill>
-                <a:effectLst/>
-                <a:latin typeface="NovelPro-regular"/>
-              </a:rPr>
-              <a:t>。</a:t>
-            </a:r>
-            <a:r>
-              <a:rPr lang="en-US" altLang="zh-CN" sz="900" b="0" i="0" dirty="0">
-                <a:solidFill>
-                  <a:srgbClr val="000000"/>
-                </a:solidFill>
-                <a:effectLst/>
-                <a:latin typeface="NovelPro-regular"/>
-              </a:rPr>
-              <a:t>Lohengrin </a:t>
-            </a:r>
-            <a:r>
-              <a:rPr lang="zh-CN" altLang="en-US" sz="900" b="0" i="0" dirty="0">
-                <a:solidFill>
-                  <a:srgbClr val="000000"/>
-                </a:solidFill>
-                <a:effectLst/>
-                <a:latin typeface="NovelPro-regular"/>
-              </a:rPr>
-              <a:t>向她提供了帮助，但绝不是无条件的。在他为她而战之前，他提出了一个交易：她应该嫁给他，但永远不要问他是谁。她当然同意 还留给她什么？真正的英雄可能会选择不同的顺序。在其他方面，罗恩格林也被证明是一个对艾尔莎来说并不完全公平的伙伴：他减轻了她对他可能再次离开她的恐慌：如果她照他说的去做，她就不必担心。不久之后，他透露他计划只停留一年，然后返回他的祖国。他关心的不是女人，而是她能为他创造的地位。他的目标是政治游戏。艾尔莎是他隆重登场的舞台。这只是在布拉班特进行的竞选活动。他向她保证：只要她听从他的命令，她就不必担心。不久之后，他透露他计划只停留一年，然后返回他的祖国。他关心的不是女人，而是她能为他创造的地位。他的目标是政治游戏。艾尔莎是他隆重登场的舞台。这只是在布拉班特进行的竞选活动。他向她保证：只要她听从他的命令，她就不必担心。不久之后，他透露他计划只停留一年，然后返回他的祖国。他关心的不是女人，而是她能为他创造的地位。他的目标是政治游戏。艾尔莎是他隆重登场的舞台。这只是在布拉班特进行的竞选活动。</a:t>
+              <a:rPr lang="zh-CN" altLang="en-US" sz="800" dirty="0">
+                <a:effectLst/>
+                <a:latin typeface="Helvetica Neue" panose="02000503000000020004" pitchFamily="2" charset="0"/>
+              </a:rPr>
+              <a:t>检察官阿尔维塞气咻咻地登场。得悉妻子背叛自己后，他决心报复他那不忠实的妻子，命令她服毒自尽。这时他指着隔壁的房间唱出咏叹调：“在那里爆发出一场快 活的疯狂骚乱”。当他刚唱完“不贞的女人只有一死”时，劳拉正好进来。 阿尔维塞激动地斥责她红杏出墙，然后猛力毒打并用力一推，劳拉便倒在地上。在两人紧张的争执后，唱出了二重唱</a:t>
+            </a:r>
+            <a:r>
+              <a:rPr lang="en-US" altLang="zh-CN" sz="800" dirty="0">
+                <a:effectLst/>
+                <a:latin typeface="Helvetica Neue" panose="02000503000000020004" pitchFamily="2" charset="0"/>
+              </a:rPr>
+              <a:t>《</a:t>
+            </a:r>
+            <a:r>
+              <a:rPr lang="zh-CN" altLang="en-US" sz="800" dirty="0">
+                <a:effectLst/>
+                <a:latin typeface="Helvetica Neue" panose="02000503000000020004" pitchFamily="2" charset="0"/>
+              </a:rPr>
+              <a:t>这实在太可怕了</a:t>
+            </a:r>
+            <a:r>
+              <a:rPr lang="en-US" altLang="zh-CN" sz="800" dirty="0">
+                <a:effectLst/>
+                <a:latin typeface="Helvetica Neue" panose="02000503000000020004" pitchFamily="2" charset="0"/>
+              </a:rPr>
+              <a:t>》</a:t>
+            </a:r>
+            <a:r>
+              <a:rPr lang="zh-CN" altLang="en-US" sz="800" dirty="0">
+                <a:effectLst/>
+                <a:latin typeface="Helvetica Neue" panose="02000503000000020004" pitchFamily="2" charset="0"/>
+              </a:rPr>
+              <a:t>随后阿尔维塞把隔开邻室的 窗帘拉开后，那里面放着一具棺材。当劳拉看后惊吓得愣住了，远方传来小夜曲的合唱声，接着乔康达便悄悄潜入。 劳拉恳求阿尔维塞的原谅，但他仍然不为所动</a:t>
+            </a:r>
+            <a:r>
+              <a:rPr lang="en-US" altLang="zh-CN" sz="800" dirty="0">
+                <a:effectLst/>
+                <a:latin typeface="Helvetica Neue" panose="02000503000000020004" pitchFamily="2" charset="0"/>
+              </a:rPr>
+              <a:t>;</a:t>
+            </a:r>
+            <a:r>
+              <a:rPr lang="zh-CN" altLang="en-US" sz="800" dirty="0">
+                <a:effectLst/>
+                <a:latin typeface="Helvetica Neue" panose="02000503000000020004" pitchFamily="2" charset="0"/>
+              </a:rPr>
+              <a:t>他交给她一瓶毒药，吩咐她自行了断。 阿维瑟走后，乔康达走到劳拉身边将毒药瓶夺了过来，换上了安眠剂，劳拉饮后不久，便四肢无力，躺在床上，面色苍白，俨然已经死去。阿尔维塞公爵再进来时， 非常得意的歌唱着：“啊</a:t>
+            </a:r>
+            <a:r>
+              <a:rPr lang="en-US" altLang="zh-CN" sz="800" dirty="0">
+                <a:effectLst/>
+                <a:latin typeface="Helvetica Neue" panose="02000503000000020004" pitchFamily="2" charset="0"/>
+              </a:rPr>
+              <a:t>!</a:t>
+            </a:r>
+            <a:r>
+              <a:rPr lang="zh-CN" altLang="en-US" sz="800" dirty="0">
+                <a:effectLst/>
+                <a:latin typeface="Helvetica Neue" panose="02000503000000020004" pitchFamily="2" charset="0"/>
+              </a:rPr>
+              <a:t>她应该死去</a:t>
+            </a:r>
+            <a:r>
+              <a:rPr lang="en-US" altLang="zh-CN" sz="800" dirty="0">
+                <a:effectLst/>
+                <a:latin typeface="Helvetica Neue" panose="02000503000000020004" pitchFamily="2" charset="0"/>
+              </a:rPr>
+              <a:t>!”</a:t>
+            </a:r>
+            <a:r>
+              <a:rPr lang="zh-CN" altLang="en-US" sz="800" dirty="0">
+                <a:effectLst/>
+                <a:latin typeface="Helvetica Neue" panose="02000503000000020004" pitchFamily="2" charset="0"/>
+              </a:rPr>
+              <a:t>而再次进来的乔康达则以短小的独白唱出：“我为母亲的恩人牺牲了自己的爱”。</a:t>
+            </a:r>
+          </a:p>
+          <a:p>
+            <a:pPr>
+              <a:buFont typeface="Arial" panose="020B0604020202020204" pitchFamily="34" charset="0"/>
+              <a:buChar char="•"/>
+            </a:pPr>
+            <a:r>
+              <a:rPr lang="zh-CN" altLang="en-US" sz="800" dirty="0">
+                <a:effectLst/>
+                <a:latin typeface="PingFang SC" panose="020B0400000000000000" pitchFamily="34" charset="-122"/>
+                <a:ea typeface="PingFang SC" panose="020B0400000000000000" pitchFamily="34" charset="-122"/>
+              </a:rPr>
+              <a:t>第二景：黄金之家的豪华大厅</a:t>
             </a:r>
             <a:br>
-              <a:rPr lang="zh-CN" altLang="en-US" sz="900" dirty="0"/>
+              <a:rPr lang="zh-CN" altLang="en-US" sz="800" dirty="0">
+                <a:effectLst/>
+                <a:latin typeface="Helvetica Neue" panose="02000503000000020004" pitchFamily="2" charset="0"/>
+                <a:ea typeface="PingFang SC" panose="020B0400000000000000" pitchFamily="34" charset="-122"/>
+              </a:rPr>
             </a:br>
-            <a:br>
-              <a:rPr lang="zh-CN" altLang="en-US" sz="900" dirty="0"/>
-            </a:br>
-            <a:r>
-              <a:rPr lang="zh-CN" altLang="en-US" sz="900" b="0" i="0" dirty="0">
-                <a:solidFill>
-                  <a:srgbClr val="000000"/>
-                </a:solidFill>
-                <a:effectLst/>
-                <a:latin typeface="NovelPro-regular"/>
-              </a:rPr>
-              <a:t>当然，政治算计的嗜好并没有使罗恩格林本身成为像贾戈那样的阴谋家；这个角色更多属于奥特鲁德，她作为这位雄心勃勃的年轻人的对手，与她的丈夫特拉蒙德一起为维护国家的旧秩序而战他的头。但是，将天鹅骑士视为一位纯种政治家，尽管他的诡计显而易见，但仍受到崇拜，这表明战略性政治操纵通常被视为治国方略的必要工具。即使是公然虚伪地表现出坚定、活力和力量，也比正直和乌托邦式的善行更适用于容易受到影响的恐惧公民。</a:t>
-            </a:r>
-            <a:endParaRPr lang="en-US" sz="900" dirty="0"/>
+            <a:r>
+              <a:rPr lang="zh-CN" altLang="en-US" sz="800" dirty="0">
+                <a:effectLst/>
+                <a:latin typeface="PingFang SC" panose="020B0400000000000000" pitchFamily="34" charset="-122"/>
+                <a:ea typeface="PingFang SC" panose="020B0400000000000000" pitchFamily="34" charset="-122"/>
+              </a:rPr>
+              <a:t>这时许多客人应邀前来，参加盛大的宴会。在小步舞曲般的曲调上，阿尔维塞周旋于宾客之间，众人则以合唱应答。接着开始表演著名又极为优美的芭蕾舞</a:t>
+            </a:r>
+            <a:r>
+              <a:rPr lang="en-US" altLang="zh-CN" sz="800" dirty="0">
+                <a:effectLst/>
+                <a:latin typeface="PingFang SC" panose="020B0400000000000000" pitchFamily="34" charset="-122"/>
+                <a:ea typeface="PingFang SC" panose="020B0400000000000000" pitchFamily="34" charset="-122"/>
+              </a:rPr>
+              <a:t>《</a:t>
+            </a:r>
+            <a:r>
+              <a:rPr lang="zh-CN" altLang="en-US" sz="800" dirty="0">
+                <a:effectLst/>
+                <a:latin typeface="PingFang SC" panose="020B0400000000000000" pitchFamily="34" charset="-122"/>
+                <a:ea typeface="PingFang SC" panose="020B0400000000000000" pitchFamily="34" charset="-122"/>
+              </a:rPr>
+              <a:t>时辰之</a:t>
+            </a:r>
+            <a:r>
+              <a:rPr lang="zh-CN" altLang="en-US" sz="800" dirty="0">
+                <a:effectLst/>
+                <a:latin typeface="Helvetica Neue" panose="02000503000000020004" pitchFamily="2" charset="0"/>
+                <a:ea typeface="PingFang SC" panose="020B0400000000000000" pitchFamily="34" charset="-122"/>
+              </a:rPr>
+              <a:t> </a:t>
+            </a:r>
+            <a:r>
+              <a:rPr lang="zh-CN" altLang="en-US" sz="800" dirty="0">
+                <a:effectLst/>
+                <a:latin typeface="PingFang SC" panose="020B0400000000000000" pitchFamily="34" charset="-122"/>
+                <a:ea typeface="PingFang SC" panose="020B0400000000000000" pitchFamily="34" charset="-122"/>
+              </a:rPr>
+              <a:t>舞</a:t>
+            </a:r>
+            <a:r>
+              <a:rPr lang="en-US" altLang="zh-CN" sz="800" dirty="0">
+                <a:effectLst/>
+                <a:latin typeface="PingFang SC" panose="020B0400000000000000" pitchFamily="34" charset="-122"/>
+                <a:ea typeface="PingFang SC" panose="020B0400000000000000" pitchFamily="34" charset="-122"/>
+              </a:rPr>
+              <a:t>》</a:t>
+            </a:r>
+            <a:r>
+              <a:rPr lang="zh-CN" altLang="en-US" sz="800" dirty="0">
+                <a:effectLst/>
+                <a:latin typeface="PingFang SC" panose="020B0400000000000000" pitchFamily="34" charset="-122"/>
+                <a:ea typeface="PingFang SC" panose="020B0400000000000000" pitchFamily="34" charset="-122"/>
+              </a:rPr>
+              <a:t>。表演了</a:t>
+            </a:r>
+            <a:r>
+              <a:rPr lang="zh-CN" altLang="en-US" sz="800" dirty="0">
+                <a:effectLst/>
+                <a:latin typeface="Helvetica Neue" panose="02000503000000020004" pitchFamily="2" charset="0"/>
+                <a:ea typeface="PingFang SC" panose="020B0400000000000000" pitchFamily="34" charset="-122"/>
+              </a:rPr>
+              <a:t>“</a:t>
+            </a:r>
+            <a:r>
+              <a:rPr lang="zh-CN" altLang="en-US" sz="800" dirty="0">
+                <a:effectLst/>
+                <a:latin typeface="PingFang SC" panose="020B0400000000000000" pitchFamily="34" charset="-122"/>
+                <a:ea typeface="PingFang SC" panose="020B0400000000000000" pitchFamily="34" charset="-122"/>
+              </a:rPr>
+              <a:t>四季女神</a:t>
+            </a:r>
+            <a:r>
+              <a:rPr lang="zh-CN" altLang="en-US" sz="800" dirty="0">
+                <a:effectLst/>
+                <a:latin typeface="Helvetica Neue" panose="02000503000000020004" pitchFamily="2" charset="0"/>
+                <a:ea typeface="PingFang SC" panose="020B0400000000000000" pitchFamily="34" charset="-122"/>
+              </a:rPr>
+              <a:t>”</a:t>
+            </a:r>
+            <a:r>
+              <a:rPr lang="en-US" altLang="zh-CN" sz="800" dirty="0">
+                <a:effectLst/>
+                <a:latin typeface="Helvetica Neue" panose="02000503000000020004" pitchFamily="2" charset="0"/>
+                <a:ea typeface="PingFang SC" panose="020B0400000000000000" pitchFamily="34" charset="-122"/>
+              </a:rPr>
+              <a:t>!</a:t>
+            </a:r>
+            <a:r>
+              <a:rPr lang="zh-CN" altLang="en-US" sz="800" dirty="0">
+                <a:effectLst/>
+                <a:latin typeface="PingFang SC" panose="020B0400000000000000" pitchFamily="34" charset="-122"/>
+                <a:ea typeface="PingFang SC" panose="020B0400000000000000" pitchFamily="34" charset="-122"/>
+              </a:rPr>
+              <a:t>跳舞的服装、布景、道具、灯光、效果和美丽曼妙的音乐，分别表现了晨曦、中午、黄昏和夜晚。这场芭蕾舞也被认为是所有歌剧中最</a:t>
+            </a:r>
+            <a:r>
+              <a:rPr lang="zh-CN" altLang="en-US" sz="800" dirty="0">
+                <a:effectLst/>
+                <a:latin typeface="Helvetica Neue" panose="02000503000000020004" pitchFamily="2" charset="0"/>
+                <a:ea typeface="PingFang SC" panose="020B0400000000000000" pitchFamily="34" charset="-122"/>
+              </a:rPr>
+              <a:t> </a:t>
+            </a:r>
+            <a:r>
+              <a:rPr lang="zh-CN" altLang="en-US" sz="800" dirty="0">
+                <a:effectLst/>
+                <a:latin typeface="PingFang SC" panose="020B0400000000000000" pitchFamily="34" charset="-122"/>
+                <a:ea typeface="PingFang SC" panose="020B0400000000000000" pitchFamily="34" charset="-122"/>
+              </a:rPr>
+              <a:t>好的舞蹈之一。舞蹈的极度欢乐，与计划的卑鄙，构成更尖锐的对比。舞蹈刚停，巴尔纳巴引着乔康达的母亲登场，教堂丧钟响出，宣告劳拉的死亡。听到这钟声</a:t>
+            </a:r>
+            <a:r>
+              <a:rPr lang="zh-CN" altLang="en-US" sz="800" dirty="0">
+                <a:effectLst/>
+                <a:latin typeface="Helvetica Neue" panose="02000503000000020004" pitchFamily="2" charset="0"/>
+                <a:ea typeface="PingFang SC" panose="020B0400000000000000" pitchFamily="34" charset="-122"/>
+              </a:rPr>
+              <a:t> </a:t>
+            </a:r>
+            <a:r>
+              <a:rPr lang="zh-CN" altLang="en-US" sz="800" dirty="0">
+                <a:effectLst/>
+                <a:latin typeface="PingFang SC" panose="020B0400000000000000" pitchFamily="34" charset="-122"/>
+                <a:ea typeface="PingFang SC" panose="020B0400000000000000" pitchFamily="34" charset="-122"/>
+              </a:rPr>
+              <a:t>后，戴着假面具混在客人间的恩佐就呈现原来面貌，当众吐露他对阿尔维塞横夺领地与恋人的仇恨。乔康达则着急地对巴尔纳巴表示，如果恩佐被捕，他若能而把恩</a:t>
+            </a:r>
+            <a:r>
+              <a:rPr lang="zh-CN" altLang="en-US" sz="800" dirty="0">
+                <a:effectLst/>
+                <a:latin typeface="Helvetica Neue" panose="02000503000000020004" pitchFamily="2" charset="0"/>
+                <a:ea typeface="PingFang SC" panose="020B0400000000000000" pitchFamily="34" charset="-122"/>
+              </a:rPr>
+              <a:t> </a:t>
+            </a:r>
+            <a:r>
+              <a:rPr lang="zh-CN" altLang="en-US" sz="800" dirty="0">
+                <a:effectLst/>
+                <a:latin typeface="PingFang SC" panose="020B0400000000000000" pitchFamily="34" charset="-122"/>
+                <a:ea typeface="PingFang SC" panose="020B0400000000000000" pitchFamily="34" charset="-122"/>
+              </a:rPr>
+              <a:t>佐营救出来，她愿意献身给他。在这五重唱中，每人各自吐露不同心思，使这场面充满恐怖与紧张，旁观的客人们也以合唱给予陪衬。</a:t>
+            </a:r>
+            <a:r>
+              <a:rPr lang="zh-CN" altLang="en-US" sz="800" dirty="0">
+                <a:effectLst/>
+                <a:latin typeface="Helvetica Neue" panose="02000503000000020004" pitchFamily="2" charset="0"/>
+                <a:ea typeface="PingFang SC" panose="020B0400000000000000" pitchFamily="34" charset="-122"/>
+              </a:rPr>
+              <a:t> </a:t>
+            </a:r>
+            <a:r>
+              <a:rPr lang="zh-CN" altLang="en-US" sz="800" dirty="0">
+                <a:effectLst/>
+                <a:latin typeface="PingFang SC" panose="020B0400000000000000" pitchFamily="34" charset="-122"/>
+                <a:ea typeface="PingFang SC" panose="020B0400000000000000" pitchFamily="34" charset="-122"/>
+              </a:rPr>
+              <a:t>阿尔维塞拉开窗帘，让大家看到躺在死床上的劳拉。恩佐无比愤怒，拔起短剑要刺杀阿尔维塞时被卫兵逮捕。在骚乱中，乔康达拼命想把恩佐救出来但白费心力。巴</a:t>
+            </a:r>
+            <a:r>
+              <a:rPr lang="zh-CN" altLang="en-US" sz="800" dirty="0">
+                <a:effectLst/>
+                <a:latin typeface="Helvetica Neue" panose="02000503000000020004" pitchFamily="2" charset="0"/>
+                <a:ea typeface="PingFang SC" panose="020B0400000000000000" pitchFamily="34" charset="-122"/>
+              </a:rPr>
+              <a:t> </a:t>
+            </a:r>
+            <a:r>
+              <a:rPr lang="zh-CN" altLang="en-US" sz="800" dirty="0">
+                <a:effectLst/>
+                <a:latin typeface="PingFang SC" panose="020B0400000000000000" pitchFamily="34" charset="-122"/>
+                <a:ea typeface="PingFang SC" panose="020B0400000000000000" pitchFamily="34" charset="-122"/>
+              </a:rPr>
+              <a:t>尔纳巴则乘机把她的瞎眼老母带走。在众人喊叫声中幕落。</a:t>
+            </a:r>
+            <a:endParaRPr lang="en-US" altLang="zh-CN" sz="800" dirty="0">
+              <a:effectLst/>
+              <a:latin typeface="PingFang SC" panose="020B0400000000000000" pitchFamily="34" charset="-122"/>
+              <a:ea typeface="PingFang SC" panose="020B0400000000000000" pitchFamily="34" charset="-122"/>
+            </a:endParaRPr>
+          </a:p>
+          <a:p>
+            <a:r>
+              <a:rPr lang="zh-CN" altLang="en-US" sz="800" b="1" dirty="0">
+                <a:effectLst/>
+                <a:latin typeface="Helvetica Neue" panose="02000503000000020004" pitchFamily="2" charset="0"/>
+              </a:rPr>
+              <a:t>第四幕</a:t>
+            </a:r>
+            <a:r>
+              <a:rPr lang="zh-CN" altLang="en-US" sz="800" dirty="0">
+                <a:effectLst/>
+                <a:latin typeface="Helvetica Neue" panose="02000503000000020004" pitchFamily="2" charset="0"/>
+              </a:rPr>
+              <a:t> “欧法诺运河”，废墟的一室</a:t>
+            </a:r>
+          </a:p>
+          <a:p>
+            <a:r>
+              <a:rPr lang="zh-CN" altLang="en-US" sz="800" dirty="0">
+                <a:effectLst/>
+                <a:latin typeface="PingFang SC" panose="020B0400000000000000" pitchFamily="34" charset="-122"/>
+                <a:ea typeface="PingFang SC" panose="020B0400000000000000" pitchFamily="34" charset="-122"/>
+              </a:rPr>
+              <a:t>短小前奏曲飘散着不吉祥的死亡气息。就在这个朱迪卡岛荒毁的宫殿一室，乔康达独自陷入沉思中。这时有两个男人，抱着用黑斗蓬包住的劳拉出现。乔康达对这两</a:t>
+            </a:r>
+            <a:r>
+              <a:rPr lang="zh-CN" altLang="en-US" sz="800" dirty="0">
+                <a:effectLst/>
+                <a:latin typeface="Helvetica Neue" panose="02000503000000020004" pitchFamily="2" charset="0"/>
+                <a:ea typeface="PingFang SC" panose="020B0400000000000000" pitchFamily="34" charset="-122"/>
+              </a:rPr>
+              <a:t> </a:t>
+            </a:r>
+            <a:r>
+              <a:rPr lang="zh-CN" altLang="en-US" sz="800" dirty="0">
+                <a:effectLst/>
+                <a:latin typeface="PingFang SC" panose="020B0400000000000000" pitchFamily="34" charset="-122"/>
+                <a:ea typeface="PingFang SC" panose="020B0400000000000000" pitchFamily="34" charset="-122"/>
+              </a:rPr>
+              <a:t>名男人致以由衷的谢意，并且恳求他们帮忙寻找自己失踪的母亲。同是歌手的男人们退场后，她独自在这里等侯恩佐，也决心以死殉情，于是注视着短剑、紧握毒药</a:t>
+            </a:r>
+            <a:r>
+              <a:rPr lang="zh-CN" altLang="en-US" sz="800" dirty="0">
+                <a:effectLst/>
+                <a:latin typeface="Helvetica Neue" panose="02000503000000020004" pitchFamily="2" charset="0"/>
+                <a:ea typeface="PingFang SC" panose="020B0400000000000000" pitchFamily="34" charset="-122"/>
+              </a:rPr>
+              <a:t> </a:t>
+            </a:r>
+            <a:r>
+              <a:rPr lang="zh-CN" altLang="en-US" sz="800" dirty="0">
+                <a:effectLst/>
+                <a:latin typeface="PingFang SC" panose="020B0400000000000000" pitchFamily="34" charset="-122"/>
+                <a:ea typeface="PingFang SC" panose="020B0400000000000000" pitchFamily="34" charset="-122"/>
+              </a:rPr>
+              <a:t>瓶唱出咏叹凋</a:t>
+            </a:r>
+            <a:r>
+              <a:rPr lang="en-US" altLang="zh-CN" sz="800" dirty="0">
+                <a:effectLst/>
+                <a:latin typeface="PingFang SC" panose="020B0400000000000000" pitchFamily="34" charset="-122"/>
+                <a:ea typeface="PingFang SC" panose="020B0400000000000000" pitchFamily="34" charset="-122"/>
+              </a:rPr>
+              <a:t>《</a:t>
+            </a:r>
+            <a:r>
+              <a:rPr lang="zh-CN" altLang="en-US" sz="800" dirty="0">
+                <a:effectLst/>
+                <a:latin typeface="PingFang SC" panose="020B0400000000000000" pitchFamily="34" charset="-122"/>
+                <a:ea typeface="PingFang SC" panose="020B0400000000000000" pitchFamily="34" charset="-122"/>
+              </a:rPr>
+              <a:t>自杀</a:t>
+            </a:r>
+            <a:r>
+              <a:rPr lang="en-US" altLang="zh-CN" sz="800" dirty="0">
+                <a:effectLst/>
+                <a:latin typeface="PingFang SC" panose="020B0400000000000000" pitchFamily="34" charset="-122"/>
+                <a:ea typeface="PingFang SC" panose="020B0400000000000000" pitchFamily="34" charset="-122"/>
+              </a:rPr>
+              <a:t>》</a:t>
+            </a:r>
+            <a:r>
+              <a:rPr lang="zh-CN" altLang="en-US" sz="800" dirty="0">
+                <a:effectLst/>
+                <a:latin typeface="PingFang SC" panose="020B0400000000000000" pitchFamily="34" charset="-122"/>
+                <a:ea typeface="PingFang SC" panose="020B0400000000000000" pitchFamily="34" charset="-122"/>
+              </a:rPr>
+              <a:t>。尽管如此，她还在犹豫说，其实如果劳拉死了，自己不就可以拥有幸福</a:t>
+            </a:r>
+            <a:r>
+              <a:rPr lang="en-US" altLang="zh-CN" sz="800" dirty="0">
+                <a:effectLst/>
+                <a:latin typeface="Helvetica Neue" panose="02000503000000020004" pitchFamily="2" charset="0"/>
+                <a:ea typeface="PingFang SC" panose="020B0400000000000000" pitchFamily="34" charset="-122"/>
+              </a:rPr>
+              <a:t>?</a:t>
+            </a:r>
+            <a:r>
+              <a:rPr lang="zh-CN" altLang="en-US" sz="800" dirty="0">
+                <a:effectLst/>
+                <a:latin typeface="PingFang SC" panose="020B0400000000000000" pitchFamily="34" charset="-122"/>
+                <a:ea typeface="PingFang SC" panose="020B0400000000000000" pitchFamily="34" charset="-122"/>
+              </a:rPr>
+              <a:t>就这样，她的心绪澎湃激荡着，无法和希望一刀两断。当她想到把</a:t>
+            </a:r>
+            <a:r>
+              <a:rPr lang="zh-CN" altLang="en-US" sz="800" dirty="0">
+                <a:effectLst/>
+                <a:latin typeface="Helvetica Neue" panose="02000503000000020004" pitchFamily="2" charset="0"/>
+                <a:ea typeface="PingFang SC" panose="020B0400000000000000" pitchFamily="34" charset="-122"/>
+              </a:rPr>
+              <a:t> </a:t>
+            </a:r>
+            <a:r>
+              <a:rPr lang="zh-CN" altLang="en-US" sz="800" dirty="0">
+                <a:effectLst/>
+                <a:latin typeface="PingFang SC" panose="020B0400000000000000" pitchFamily="34" charset="-122"/>
+                <a:ea typeface="PingFang SC" panose="020B0400000000000000" pitchFamily="34" charset="-122"/>
+              </a:rPr>
+              <a:t>劳拉深葬在运河底的念头时，从远方传来平匠船船夫们交谈的声音，他们说运河中浮现一具尸体，这消息使她的神志更为混乱。就在这时候，恩佐真的来了。尽管已</a:t>
+            </a:r>
+            <a:r>
+              <a:rPr lang="zh-CN" altLang="en-US" sz="800" dirty="0">
+                <a:effectLst/>
+                <a:latin typeface="Helvetica Neue" panose="02000503000000020004" pitchFamily="2" charset="0"/>
+                <a:ea typeface="PingFang SC" panose="020B0400000000000000" pitchFamily="34" charset="-122"/>
+              </a:rPr>
+              <a:t> </a:t>
+            </a:r>
+            <a:r>
+              <a:rPr lang="zh-CN" altLang="en-US" sz="800" dirty="0">
+                <a:effectLst/>
+                <a:latin typeface="PingFang SC" panose="020B0400000000000000" pitchFamily="34" charset="-122"/>
+                <a:ea typeface="PingFang SC" panose="020B0400000000000000" pitchFamily="34" charset="-122"/>
+              </a:rPr>
+              <a:t>经从监牢逃出，但由于人世间已经看不到心爱的劳拉，便急着要前往劳拉的墓地。乔康达告诉他，墓中空无一物，但此话又激怒了恩佐，他愤怒地说：</a:t>
+            </a:r>
+            <a:r>
+              <a:rPr lang="zh-CN" altLang="en-US" sz="800" dirty="0">
+                <a:effectLst/>
+                <a:latin typeface="Helvetica Neue" panose="02000503000000020004" pitchFamily="2" charset="0"/>
+                <a:ea typeface="PingFang SC" panose="020B0400000000000000" pitchFamily="34" charset="-122"/>
+              </a:rPr>
+              <a:t>“</a:t>
+            </a:r>
+            <a:r>
+              <a:rPr lang="zh-CN" altLang="en-US" sz="800" dirty="0">
+                <a:effectLst/>
+                <a:latin typeface="PingFang SC" panose="020B0400000000000000" pitchFamily="34" charset="-122"/>
+                <a:ea typeface="PingFang SC" panose="020B0400000000000000" pitchFamily="34" charset="-122"/>
+              </a:rPr>
+              <a:t>你嫉妒得连</a:t>
+            </a:r>
+            <a:r>
+              <a:rPr lang="zh-CN" altLang="en-US" sz="800" dirty="0">
+                <a:effectLst/>
+                <a:latin typeface="Helvetica Neue" panose="02000503000000020004" pitchFamily="2" charset="0"/>
+                <a:ea typeface="PingFang SC" panose="020B0400000000000000" pitchFamily="34" charset="-122"/>
+              </a:rPr>
+              <a:t> </a:t>
+            </a:r>
+            <a:r>
+              <a:rPr lang="zh-CN" altLang="en-US" sz="800" dirty="0">
+                <a:effectLst/>
+                <a:latin typeface="PingFang SC" panose="020B0400000000000000" pitchFamily="34" charset="-122"/>
+                <a:ea typeface="PingFang SC" panose="020B0400000000000000" pitchFamily="34" charset="-122"/>
+              </a:rPr>
+              <a:t>坟墓也要报复不成</a:t>
+            </a:r>
+            <a:r>
+              <a:rPr lang="en-US" altLang="zh-CN" sz="800" dirty="0">
+                <a:effectLst/>
+                <a:latin typeface="Helvetica Neue" panose="02000503000000020004" pitchFamily="2" charset="0"/>
+                <a:ea typeface="PingFang SC" panose="020B0400000000000000" pitchFamily="34" charset="-122"/>
+              </a:rPr>
+              <a:t>?”</a:t>
+            </a:r>
+            <a:r>
+              <a:rPr lang="zh-CN" altLang="en-US" sz="800" dirty="0">
+                <a:effectLst/>
+                <a:latin typeface="PingFang SC" panose="020B0400000000000000" pitchFamily="34" charset="-122"/>
+                <a:ea typeface="PingFang SC" panose="020B0400000000000000" pitchFamily="34" charset="-122"/>
+              </a:rPr>
+              <a:t>于是他拔出剑想要杀乔康达。</a:t>
+            </a:r>
+            <a:r>
+              <a:rPr lang="zh-CN" altLang="en-US" sz="800" dirty="0">
+                <a:effectLst/>
+                <a:latin typeface="Helvetica Neue" panose="02000503000000020004" pitchFamily="2" charset="0"/>
+                <a:ea typeface="PingFang SC" panose="020B0400000000000000" pitchFamily="34" charset="-122"/>
+              </a:rPr>
+              <a:t> </a:t>
+            </a:r>
+            <a:r>
+              <a:rPr lang="zh-CN" altLang="en-US" sz="800" dirty="0">
+                <a:effectLst/>
+                <a:latin typeface="PingFang SC" panose="020B0400000000000000" pitchFamily="34" charset="-122"/>
+                <a:ea typeface="PingFang SC" panose="020B0400000000000000" pitchFamily="34" charset="-122"/>
+              </a:rPr>
+              <a:t>当乔康达高兴自己将被恋人杀死时，劳拉刚好苏醒过来，对恩佐说出乔康达营救自己的一切经过。两人对乔康达深致谢意，坐上乔康达为他们准备的小船逃走了。当</a:t>
+            </a:r>
+            <a:r>
+              <a:rPr lang="zh-CN" altLang="en-US" sz="800" dirty="0">
+                <a:effectLst/>
+                <a:latin typeface="Helvetica Neue" panose="02000503000000020004" pitchFamily="2" charset="0"/>
+                <a:ea typeface="PingFang SC" panose="020B0400000000000000" pitchFamily="34" charset="-122"/>
+              </a:rPr>
+              <a:t> </a:t>
+            </a:r>
+            <a:r>
+              <a:rPr lang="zh-CN" altLang="en-US" sz="800" dirty="0">
+                <a:effectLst/>
+                <a:latin typeface="PingFang SC" panose="020B0400000000000000" pitchFamily="34" charset="-122"/>
+                <a:ea typeface="PingFang SC" panose="020B0400000000000000" pitchFamily="34" charset="-122"/>
+              </a:rPr>
+              <a:t>乔康达独自呆立时，巴尔纳巴出现，逼迫她实践诺言。乔康达用匕首自杀，她把自己的尸体交给了这位贪婪的无耻之徒。巴尔纳巴又气又恨，向乔康达大声喊叫说：</a:t>
+            </a:r>
+            <a:r>
+              <a:rPr lang="zh-CN" altLang="en-US" sz="800" dirty="0">
+                <a:effectLst/>
+                <a:latin typeface="Helvetica Neue" panose="02000503000000020004" pitchFamily="2" charset="0"/>
+                <a:ea typeface="PingFang SC" panose="020B0400000000000000" pitchFamily="34" charset="-122"/>
+              </a:rPr>
+              <a:t> “</a:t>
+            </a:r>
+            <a:r>
+              <a:rPr lang="zh-CN" altLang="en-US" sz="800" dirty="0">
+                <a:effectLst/>
+                <a:latin typeface="PingFang SC" panose="020B0400000000000000" pitchFamily="34" charset="-122"/>
+                <a:ea typeface="PingFang SC" panose="020B0400000000000000" pitchFamily="34" charset="-122"/>
+              </a:rPr>
+              <a:t>我已经把你的母亲推入运河里</a:t>
+            </a:r>
+            <a:r>
+              <a:rPr lang="en-US" altLang="zh-CN" sz="800" dirty="0">
+                <a:effectLst/>
+                <a:latin typeface="Helvetica Neue" panose="02000503000000020004" pitchFamily="2" charset="0"/>
+                <a:ea typeface="PingFang SC" panose="020B0400000000000000" pitchFamily="34" charset="-122"/>
+              </a:rPr>
+              <a:t>!”</a:t>
+            </a:r>
+            <a:r>
+              <a:rPr lang="zh-CN" altLang="en-US" sz="800" dirty="0">
+                <a:effectLst/>
+                <a:latin typeface="PingFang SC" panose="020B0400000000000000" pitchFamily="34" charset="-122"/>
+                <a:ea typeface="PingFang SC" panose="020B0400000000000000" pitchFamily="34" charset="-122"/>
+              </a:rPr>
+              <a:t>可是乔康达再也听不到这些话了。巴尔纳巴随即像发疯般离去。幕落。</a:t>
+            </a:r>
+          </a:p>
+          <a:p>
+            <a:pPr>
+              <a:buFont typeface="Arial" panose="020B0604020202020204" pitchFamily="34" charset="0"/>
+              <a:buChar char="•"/>
+            </a:pPr>
+            <a:endParaRPr lang="zh-CN" altLang="en-US" sz="800" dirty="0">
+              <a:effectLst/>
+              <a:latin typeface="PingFang SC" panose="020B0400000000000000" pitchFamily="34" charset="-122"/>
+              <a:ea typeface="PingFang SC" panose="020B0400000000000000" pitchFamily="34" charset="-122"/>
+            </a:endParaRPr>
           </a:p>
         </p:txBody>
       </p:sp>
